--- a/slides/2024/slides_20241210.pptx
+++ b/slides/2024/slides_20241210.pptx
@@ -26734,8 +26734,18 @@
           </a:p>
           <a:p>
             <a:r>
-              <a:rPr lang="en-US" sz="1400" dirty="0"/>
-              <a:t>Correction:</a:t>
+              <a:rPr lang="en-US" sz="1400"/>
+              <a:t>Correction: </a:t>
+            </a:r>
+            <a:r>
+              <a:rPr lang="en-US" sz="1400">
+                <a:hlinkClick r:id="rId3"/>
+              </a:rPr>
+              <a:t>https://github.com/AlexandreHugoMathieu/pvfault_detection_solar_academy/blob/master/notebooks/iv_curve_modeling.ipynb</a:t>
+            </a:r>
+            <a:r>
+              <a:rPr lang="en-US" sz="1400"/>
+              <a:t> </a:t>
             </a:r>
             <a:endParaRPr lang="en-US" sz="1400" b="1" dirty="0">
               <a:latin typeface="+mn-lt"/>
@@ -27146,7 +27156,7 @@
               <a:t>Individual</a:t>
             </a:r>
             <a:r>
-              <a:rPr lang="fr-FR"/>
+              <a:rPr lang="fr-FR" dirty="0"/>
               <a:t> Project</a:t>
             </a:r>
             <a:endParaRPr lang="en-US" dirty="0"/>

--- a/slides/2024/slides_20241210.pptx
+++ b/slides/2024/slides_20241210.pptx
@@ -26734,17 +26734,17 @@
           </a:p>
           <a:p>
             <a:r>
-              <a:rPr lang="en-US" sz="1400"/>
+              <a:rPr lang="en-US" sz="1400" dirty="0"/>
               <a:t>Correction: </a:t>
             </a:r>
             <a:r>
-              <a:rPr lang="en-US" sz="1400">
+              <a:rPr lang="en-US" sz="1400" dirty="0">
                 <a:hlinkClick r:id="rId3"/>
               </a:rPr>
               <a:t>https://github.com/AlexandreHugoMathieu/pvfault_detection_solar_academy/blob/master/notebooks/iv_curve_modeling.ipynb</a:t>
             </a:r>
             <a:r>
-              <a:rPr lang="en-US" sz="1400"/>
+              <a:rPr lang="en-US" sz="1400" dirty="0"/>
               <a:t> </a:t>
             </a:r>
             <a:endParaRPr lang="en-US" sz="1400" b="1" dirty="0">
@@ -27211,30 +27211,42 @@
           </a:xfrm>
         </p:spPr>
         <p:txBody>
-          <a:bodyPr/>
+          <a:bodyPr>
+            <a:normAutofit/>
+          </a:bodyPr>
           <a:lstStyle/>
           <a:p>
             <a:r>
-              <a:rPr lang="fr-FR" dirty="0"/>
+              <a:rPr lang="fr-FR" sz="1600" dirty="0"/>
               <a:t>Google collab link: </a:t>
             </a:r>
             <a:r>
-              <a:rPr lang="fr-FR" dirty="0">
+              <a:rPr lang="fr-FR" sz="1600" dirty="0">
                 <a:hlinkClick r:id="rId3"/>
               </a:rPr>
               <a:t>https://colab.research.google.com/drive/1-7Z8UrosG_E6Ke3P5_nMpW2-8Ox5SqGv?usp=sharing</a:t>
             </a:r>
             <a:r>
-              <a:rPr lang="fr-FR" dirty="0"/>
+              <a:rPr lang="fr-FR" sz="1600" dirty="0"/>
               <a:t> </a:t>
             </a:r>
           </a:p>
           <a:p>
             <a:r>
-              <a:rPr lang="fr-FR" dirty="0"/>
+              <a:rPr lang="fr-FR" sz="1600" dirty="0"/>
               <a:t>Instructions: </a:t>
             </a:r>
-            <a:endParaRPr lang="en-US" dirty="0"/>
+            <a:r>
+              <a:rPr lang="fr-FR" sz="1600" dirty="0">
+                <a:hlinkClick r:id="rId4"/>
+              </a:rPr>
+              <a:t>https://github.com/AlexandreHugoMathieu/pvfault_detection_solar_academy/blob/master/slides/2024/project_instructions.pdf</a:t>
+            </a:r>
+            <a:r>
+              <a:rPr lang="fr-FR" sz="1600" dirty="0"/>
+              <a:t> </a:t>
+            </a:r>
+            <a:endParaRPr lang="en-US" sz="1600" dirty="0"/>
           </a:p>
         </p:txBody>
       </p:sp>

--- a/slides/2024/slides_20241210.pptx
+++ b/slides/2024/slides_20241210.pptx
@@ -15598,7 +15598,7 @@
           <a:p>
             <a:fld id="{7039F3EA-1319-4642-9CD9-713F652E0847}" type="datetime1">
               <a:rPr lang="fr-FR" smtClean="0"/>
-              <a:t>10/12/2024</a:t>
+              <a:t>25/12/2024</a:t>
             </a:fld>
             <a:endParaRPr lang="en-US"/>
           </a:p>
@@ -15779,7 +15779,7 @@
           <a:p>
             <a:fld id="{F1AF66A5-879E-4F3C-BFD2-FFD0C6C04055}" type="datetime1">
               <a:rPr lang="fr-FR" smtClean="0"/>
-              <a:t>10/12/2024</a:t>
+              <a:t>25/12/2024</a:t>
             </a:fld>
             <a:endParaRPr lang="fr-FR"/>
           </a:p>
@@ -16183,6 +16183,67 @@
 </file>
 
 <file path=ppt/notesSlides/notesSlide3.xml><?xml version="1.0" encoding="utf-8"?>
+<p:notes xmlns:a="http://schemas.openxmlformats.org/drawingml/2006/main" xmlns:r="http://schemas.openxmlformats.org/officeDocument/2006/relationships" xmlns:p="http://schemas.openxmlformats.org/presentationml/2006/main">
+  <p:cSld>
+    <p:spTree>
+      <p:nvGrpSpPr>
+        <p:cNvPr id="1" name=""/>
+        <p:cNvGrpSpPr/>
+        <p:nvPr/>
+      </p:nvGrpSpPr>
+      <p:grpSpPr>
+        <a:xfrm>
+          <a:off x="0" y="0"/>
+          <a:ext cx="0" cy="0"/>
+          <a:chOff x="0" y="0"/>
+          <a:chExt cx="0" cy="0"/>
+        </a:xfrm>
+      </p:grpSpPr>
+      <p:sp>
+        <p:nvSpPr>
+          <p:cNvPr id="2" name="Espace réservé de l'image des diapositives 1"/>
+          <p:cNvSpPr>
+            <a:spLocks noGrp="1" noRot="1" noChangeAspect="1"/>
+          </p:cNvSpPr>
+          <p:nvPr>
+            <p:ph type="sldImg"/>
+          </p:nvPr>
+        </p:nvSpPr>
+        <p:spPr/>
+      </p:sp>
+      <p:sp>
+        <p:nvSpPr>
+          <p:cNvPr id="3" name="Espace réservé des notes 2"/>
+          <p:cNvSpPr>
+            <a:spLocks noGrp="1"/>
+          </p:cNvSpPr>
+          <p:nvPr>
+            <p:ph type="body" idx="1"/>
+          </p:nvPr>
+        </p:nvSpPr>
+        <p:spPr/>
+        <p:txBody>
+          <a:bodyPr/>
+          <a:lstStyle/>
+          <a:p>
+            <a:endParaRPr lang="en-US" dirty="0"/>
+          </a:p>
+        </p:txBody>
+      </p:sp>
+    </p:spTree>
+    <p:extLst>
+      <p:ext uri="{BB962C8B-B14F-4D97-AF65-F5344CB8AC3E}">
+        <p14:creationId xmlns:p14="http://schemas.microsoft.com/office/powerpoint/2010/main" val="3879156115"/>
+      </p:ext>
+    </p:extLst>
+  </p:cSld>
+  <p:clrMapOvr>
+    <a:masterClrMapping/>
+  </p:clrMapOvr>
+</p:notes>
+</file>
+
+<file path=ppt/notesSlides/notesSlide4.xml><?xml version="1.0" encoding="utf-8"?>
 <p:notes xmlns:a="http://schemas.openxmlformats.org/drawingml/2006/main" xmlns:r="http://schemas.openxmlformats.org/officeDocument/2006/relationships" xmlns:p="http://schemas.openxmlformats.org/presentationml/2006/main">
   <p:cSld>
     <p:spTree>
@@ -21765,8 +21826,8 @@
           </a:p>
         </p:txBody>
       </p:sp>
-      <mc:AlternateContent xmlns:mc="http://schemas.openxmlformats.org/markup-compatibility/2006" xmlns:a14="http://schemas.microsoft.com/office/drawing/2010/main">
-        <mc:Choice Requires="a14">
+      <mc:AlternateContent xmlns:mc="http://schemas.openxmlformats.org/markup-compatibility/2006">
+        <mc:Choice xmlns:a14="http://schemas.microsoft.com/office/drawing/2010/main" Requires="a14">
           <p:sp>
             <p:nvSpPr>
               <p:cNvPr id="4" name="Espace réservé du texte 3">
@@ -21832,7 +21893,7 @@
                     <a:ea typeface="Calibri" panose="020F0502020204030204" pitchFamily="34" charset="0"/>
                     <a:cs typeface="Arial" panose="020B0604020202020204" pitchFamily="34" charset="0"/>
                   </a:rPr>
-                  <a:t>Les 5 </a:t>
+                  <a:t>The 5 </a:t>
                 </a:r>
                 <a:r>
                   <a:rPr lang="fr-FR" sz="1400" dirty="0" err="1">
@@ -24492,7 +24553,7 @@
             </p:txBody>
           </p:sp>
         </mc:Choice>
-        <mc:Fallback xmlns="">
+        <mc:Fallback>
           <p:sp>
             <p:nvSpPr>
               <p:cNvPr id="4" name="Espace réservé du texte 3">
@@ -24515,7 +24576,7 @@
                 <a:ext cx="11590867" cy="4367212"/>
               </a:xfrm>
               <a:blipFill>
-                <a:blip r:embed="rId2"/>
+                <a:blip r:embed="rId3"/>
                 <a:stretch>
                   <a:fillRect l="-315" t="-558" b="-5579"/>
                 </a:stretch>
@@ -24992,7 +25053,7 @@
                 <a:avLst/>
               </a:prstGeom>
               <a:blipFill>
-                <a:blip r:embed="rId3"/>
+                <a:blip r:embed="rId4"/>
                 <a:stretch>
                   <a:fillRect/>
                 </a:stretch>
@@ -25163,1301 +25224,6 @@
           </a:p>
         </p:txBody>
       </p:sp>
-      <p:grpSp>
-        <p:nvGrpSpPr>
-          <p:cNvPr id="45" name="Groupe 44">
-            <a:extLst>
-              <a:ext uri="{FF2B5EF4-FFF2-40B4-BE49-F238E27FC236}">
-                <a16:creationId xmlns:a16="http://schemas.microsoft.com/office/drawing/2014/main" id="{78D9A2C1-C445-5F9D-DA28-19CB07D8D39A}"/>
-              </a:ext>
-            </a:extLst>
-          </p:cNvPr>
-          <p:cNvGrpSpPr/>
-          <p:nvPr/>
-        </p:nvGrpSpPr>
-        <p:grpSpPr>
-          <a:xfrm>
-            <a:off x="3939532" y="59518"/>
-            <a:ext cx="4037693" cy="2155619"/>
-            <a:chOff x="1174750" y="1591221"/>
-            <a:chExt cx="4037693" cy="2155619"/>
-          </a:xfrm>
-        </p:grpSpPr>
-        <p:sp>
-          <p:nvSpPr>
-            <p:cNvPr id="46" name="Ellipse 45">
-              <a:extLst>
-                <a:ext uri="{FF2B5EF4-FFF2-40B4-BE49-F238E27FC236}">
-                  <a16:creationId xmlns:a16="http://schemas.microsoft.com/office/drawing/2014/main" id="{2A1BFCF3-18B5-77E0-2AB8-E628F698F6F0}"/>
-                </a:ext>
-              </a:extLst>
-            </p:cNvPr>
-            <p:cNvSpPr/>
-            <p:nvPr/>
-          </p:nvSpPr>
-          <p:spPr>
-            <a:xfrm>
-              <a:off x="1585518" y="2550252"/>
-              <a:ext cx="444617" cy="444617"/>
-            </a:xfrm>
-            <a:prstGeom prst="ellipse">
-              <a:avLst/>
-            </a:prstGeom>
-            <a:noFill/>
-            <a:ln>
-              <a:solidFill>
-                <a:schemeClr val="tx1"/>
-              </a:solidFill>
-            </a:ln>
-          </p:spPr>
-          <p:style>
-            <a:lnRef idx="2">
-              <a:schemeClr val="accent1">
-                <a:shade val="50000"/>
-              </a:schemeClr>
-            </a:lnRef>
-            <a:fillRef idx="1">
-              <a:schemeClr val="accent1"/>
-            </a:fillRef>
-            <a:effectRef idx="0">
-              <a:schemeClr val="accent1"/>
-            </a:effectRef>
-            <a:fontRef idx="minor">
-              <a:schemeClr val="lt1"/>
-            </a:fontRef>
-          </p:style>
-          <p:txBody>
-            <a:bodyPr rtlCol="0" anchor="ctr"/>
-            <a:lstStyle/>
-            <a:p>
-              <a:pPr algn="ctr"/>
-              <a:endParaRPr lang="fr-FR"/>
-            </a:p>
-          </p:txBody>
-        </p:sp>
-        <p:cxnSp>
-          <p:nvCxnSpPr>
-            <p:cNvPr id="47" name="Connecteur : en angle 46">
-              <a:extLst>
-                <a:ext uri="{FF2B5EF4-FFF2-40B4-BE49-F238E27FC236}">
-                  <a16:creationId xmlns:a16="http://schemas.microsoft.com/office/drawing/2014/main" id="{F75BDFBB-B2F4-E5E6-DF2F-873D054596C7}"/>
-                </a:ext>
-              </a:extLst>
-            </p:cNvPr>
-            <p:cNvCxnSpPr>
-              <a:stCxn id="46" idx="0"/>
-            </p:cNvCxnSpPr>
-            <p:nvPr/>
-          </p:nvCxnSpPr>
-          <p:spPr>
-            <a:xfrm rot="5400000" flipH="1" flipV="1">
-              <a:off x="2506212" y="1273029"/>
-              <a:ext cx="578839" cy="1975608"/>
-            </a:xfrm>
-            <a:prstGeom prst="bentConnector2">
-              <a:avLst/>
-            </a:prstGeom>
-            <a:ln w="19050"/>
-          </p:spPr>
-          <p:style>
-            <a:lnRef idx="1">
-              <a:schemeClr val="dk1"/>
-            </a:lnRef>
-            <a:fillRef idx="0">
-              <a:schemeClr val="dk1"/>
-            </a:fillRef>
-            <a:effectRef idx="0">
-              <a:schemeClr val="dk1"/>
-            </a:effectRef>
-            <a:fontRef idx="minor">
-              <a:schemeClr val="tx1"/>
-            </a:fontRef>
-          </p:style>
-        </p:cxnSp>
-        <p:cxnSp>
-          <p:nvCxnSpPr>
-            <p:cNvPr id="48" name="Connecteur : en angle 47">
-              <a:extLst>
-                <a:ext uri="{FF2B5EF4-FFF2-40B4-BE49-F238E27FC236}">
-                  <a16:creationId xmlns:a16="http://schemas.microsoft.com/office/drawing/2014/main" id="{56086E67-0023-759F-B439-4CFF13529604}"/>
-                </a:ext>
-              </a:extLst>
-            </p:cNvPr>
-            <p:cNvCxnSpPr>
-              <a:cxnSpLocks/>
-              <a:stCxn id="46" idx="4"/>
-            </p:cNvCxnSpPr>
-            <p:nvPr/>
-          </p:nvCxnSpPr>
-          <p:spPr>
-            <a:xfrm rot="16200000" flipH="1">
-              <a:off x="3107567" y="1695128"/>
-              <a:ext cx="729842" cy="3329323"/>
-            </a:xfrm>
-            <a:prstGeom prst="bentConnector2">
-              <a:avLst/>
-            </a:prstGeom>
-            <a:ln w="19050"/>
-          </p:spPr>
-          <p:style>
-            <a:lnRef idx="1">
-              <a:schemeClr val="dk1"/>
-            </a:lnRef>
-            <a:fillRef idx="0">
-              <a:schemeClr val="dk1"/>
-            </a:fillRef>
-            <a:effectRef idx="0">
-              <a:schemeClr val="dk1"/>
-            </a:effectRef>
-            <a:fontRef idx="minor">
-              <a:schemeClr val="tx1"/>
-            </a:fontRef>
-          </p:style>
-        </p:cxnSp>
-        <p:grpSp>
-          <p:nvGrpSpPr>
-            <p:cNvPr id="49" name="Groupe 48">
-              <a:extLst>
-                <a:ext uri="{FF2B5EF4-FFF2-40B4-BE49-F238E27FC236}">
-                  <a16:creationId xmlns:a16="http://schemas.microsoft.com/office/drawing/2014/main" id="{555F2CFB-C113-E3A3-24D8-654CF517354F}"/>
-                </a:ext>
-              </a:extLst>
-            </p:cNvPr>
-            <p:cNvGrpSpPr/>
-            <p:nvPr/>
-          </p:nvGrpSpPr>
-          <p:grpSpPr>
-            <a:xfrm>
-              <a:off x="2185952" y="2676084"/>
-              <a:ext cx="318783" cy="296654"/>
-              <a:chOff x="2428611" y="2625751"/>
-              <a:chExt cx="318783" cy="296654"/>
-            </a:xfrm>
-          </p:grpSpPr>
-          <p:sp>
-            <p:nvSpPr>
-              <p:cNvPr id="74" name="Triangle isocèle 73">
-                <a:extLst>
-                  <a:ext uri="{FF2B5EF4-FFF2-40B4-BE49-F238E27FC236}">
-                    <a16:creationId xmlns:a16="http://schemas.microsoft.com/office/drawing/2014/main" id="{3833618A-DC02-FB69-6EF4-532B0A522B8A}"/>
-                  </a:ext>
-                </a:extLst>
-              </p:cNvPr>
-              <p:cNvSpPr/>
-              <p:nvPr/>
-            </p:nvSpPr>
-            <p:spPr>
-              <a:xfrm rot="10800000">
-                <a:off x="2428612" y="2625751"/>
-                <a:ext cx="318782" cy="293617"/>
-              </a:xfrm>
-              <a:prstGeom prst="triangle">
-                <a:avLst/>
-              </a:prstGeom>
-              <a:noFill/>
-              <a:ln>
-                <a:solidFill>
-                  <a:schemeClr val="tx1"/>
-                </a:solidFill>
-              </a:ln>
-            </p:spPr>
-            <p:style>
-              <a:lnRef idx="2">
-                <a:schemeClr val="accent1">
-                  <a:shade val="50000"/>
-                </a:schemeClr>
-              </a:lnRef>
-              <a:fillRef idx="1">
-                <a:schemeClr val="accent1"/>
-              </a:fillRef>
-              <a:effectRef idx="0">
-                <a:schemeClr val="accent1"/>
-              </a:effectRef>
-              <a:fontRef idx="minor">
-                <a:schemeClr val="lt1"/>
-              </a:fontRef>
-            </p:style>
-            <p:txBody>
-              <a:bodyPr rtlCol="0" anchor="ctr"/>
-              <a:lstStyle/>
-              <a:p>
-                <a:pPr algn="ctr"/>
-                <a:endParaRPr lang="fr-FR" dirty="0"/>
-              </a:p>
-            </p:txBody>
-          </p:sp>
-          <p:cxnSp>
-            <p:nvCxnSpPr>
-              <p:cNvPr id="75" name="Connecteur droit 74">
-                <a:extLst>
-                  <a:ext uri="{FF2B5EF4-FFF2-40B4-BE49-F238E27FC236}">
-                    <a16:creationId xmlns:a16="http://schemas.microsoft.com/office/drawing/2014/main" id="{26946FC9-9490-DD23-992A-F5B71E26EE2B}"/>
-                  </a:ext>
-                </a:extLst>
-              </p:cNvPr>
-              <p:cNvCxnSpPr>
-                <a:cxnSpLocks/>
-              </p:cNvCxnSpPr>
-              <p:nvPr/>
-            </p:nvCxnSpPr>
-            <p:spPr>
-              <a:xfrm>
-                <a:off x="2428611" y="2922405"/>
-                <a:ext cx="318783" cy="0"/>
-              </a:xfrm>
-              <a:prstGeom prst="line">
-                <a:avLst/>
-              </a:prstGeom>
-              <a:ln w="19050">
-                <a:solidFill>
-                  <a:schemeClr val="tx1"/>
-                </a:solidFill>
-              </a:ln>
-            </p:spPr>
-            <p:style>
-              <a:lnRef idx="1">
-                <a:schemeClr val="dk1"/>
-              </a:lnRef>
-              <a:fillRef idx="0">
-                <a:schemeClr val="dk1"/>
-              </a:fillRef>
-              <a:effectRef idx="0">
-                <a:schemeClr val="dk1"/>
-              </a:effectRef>
-              <a:fontRef idx="minor">
-                <a:schemeClr val="tx1"/>
-              </a:fontRef>
-            </p:style>
-          </p:cxnSp>
-        </p:grpSp>
-        <p:cxnSp>
-          <p:nvCxnSpPr>
-            <p:cNvPr id="50" name="Connecteur droit 49">
-              <a:extLst>
-                <a:ext uri="{FF2B5EF4-FFF2-40B4-BE49-F238E27FC236}">
-                  <a16:creationId xmlns:a16="http://schemas.microsoft.com/office/drawing/2014/main" id="{E45C825C-3B85-97B9-A110-AEBEB55E716E}"/>
-                </a:ext>
-              </a:extLst>
-            </p:cNvPr>
-            <p:cNvCxnSpPr>
-              <a:cxnSpLocks/>
-              <a:stCxn id="74" idx="3"/>
-            </p:cNvCxnSpPr>
-            <p:nvPr/>
-          </p:nvCxnSpPr>
-          <p:spPr>
-            <a:xfrm flipV="1">
-              <a:off x="2345344" y="1980478"/>
-              <a:ext cx="0" cy="695606"/>
-            </a:xfrm>
-            <a:prstGeom prst="line">
-              <a:avLst/>
-            </a:prstGeom>
-            <a:ln w="19050">
-              <a:solidFill>
-                <a:schemeClr val="tx1"/>
-              </a:solidFill>
-            </a:ln>
-          </p:spPr>
-          <p:style>
-            <a:lnRef idx="1">
-              <a:schemeClr val="accent1"/>
-            </a:lnRef>
-            <a:fillRef idx="0">
-              <a:schemeClr val="accent1"/>
-            </a:fillRef>
-            <a:effectRef idx="0">
-              <a:schemeClr val="accent1"/>
-            </a:effectRef>
-            <a:fontRef idx="minor">
-              <a:schemeClr val="tx1"/>
-            </a:fontRef>
-          </p:style>
-        </p:cxnSp>
-        <p:cxnSp>
-          <p:nvCxnSpPr>
-            <p:cNvPr id="51" name="Connecteur droit 50">
-              <a:extLst>
-                <a:ext uri="{FF2B5EF4-FFF2-40B4-BE49-F238E27FC236}">
-                  <a16:creationId xmlns:a16="http://schemas.microsoft.com/office/drawing/2014/main" id="{E6CDCCB6-5ED3-D601-6D0F-AEE9C175035C}"/>
-                </a:ext>
-              </a:extLst>
-            </p:cNvPr>
-            <p:cNvCxnSpPr>
-              <a:cxnSpLocks/>
-              <a:endCxn id="74" idx="0"/>
-            </p:cNvCxnSpPr>
-            <p:nvPr/>
-          </p:nvCxnSpPr>
-          <p:spPr>
-            <a:xfrm flipV="1">
-              <a:off x="2345344" y="2969701"/>
-              <a:ext cx="0" cy="755010"/>
-            </a:xfrm>
-            <a:prstGeom prst="line">
-              <a:avLst/>
-            </a:prstGeom>
-            <a:ln w="19050">
-              <a:solidFill>
-                <a:schemeClr val="tx1"/>
-              </a:solidFill>
-            </a:ln>
-          </p:spPr>
-          <p:style>
-            <a:lnRef idx="1">
-              <a:schemeClr val="accent1"/>
-            </a:lnRef>
-            <a:fillRef idx="0">
-              <a:schemeClr val="accent1"/>
-            </a:fillRef>
-            <a:effectRef idx="0">
-              <a:schemeClr val="accent1"/>
-            </a:effectRef>
-            <a:fontRef idx="minor">
-              <a:schemeClr val="tx1"/>
-            </a:fontRef>
-          </p:style>
-        </p:cxnSp>
-        <p:sp>
-          <p:nvSpPr>
-            <p:cNvPr id="52" name="Triangle isocèle 51">
-              <a:extLst>
-                <a:ext uri="{FF2B5EF4-FFF2-40B4-BE49-F238E27FC236}">
-                  <a16:creationId xmlns:a16="http://schemas.microsoft.com/office/drawing/2014/main" id="{5A899E12-FA88-7F7D-9DD2-7B881C90BD0B}"/>
-                </a:ext>
-              </a:extLst>
-            </p:cNvPr>
-            <p:cNvSpPr/>
-            <p:nvPr/>
-          </p:nvSpPr>
-          <p:spPr>
-            <a:xfrm rot="10800000">
-              <a:off x="2307245" y="2252987"/>
-              <a:ext cx="63036" cy="58177"/>
-            </a:xfrm>
-            <a:prstGeom prst="triangle">
-              <a:avLst/>
-            </a:prstGeom>
-            <a:solidFill>
-              <a:schemeClr val="tx1"/>
-            </a:solidFill>
-            <a:ln>
-              <a:solidFill>
-                <a:schemeClr val="tx1"/>
-              </a:solidFill>
-            </a:ln>
-          </p:spPr>
-          <p:style>
-            <a:lnRef idx="2">
-              <a:schemeClr val="accent1">
-                <a:shade val="50000"/>
-              </a:schemeClr>
-            </a:lnRef>
-            <a:fillRef idx="1">
-              <a:schemeClr val="accent1"/>
-            </a:fillRef>
-            <a:effectRef idx="0">
-              <a:schemeClr val="accent1"/>
-            </a:effectRef>
-            <a:fontRef idx="minor">
-              <a:schemeClr val="lt1"/>
-            </a:fontRef>
-          </p:style>
-          <p:txBody>
-            <a:bodyPr rtlCol="0" anchor="ctr"/>
-            <a:lstStyle/>
-            <a:p>
-              <a:pPr algn="ctr"/>
-              <a:endParaRPr lang="fr-FR" dirty="0"/>
-            </a:p>
-          </p:txBody>
-        </p:sp>
-        <p:grpSp>
-          <p:nvGrpSpPr>
-            <p:cNvPr id="53" name="Groupe 52">
-              <a:extLst>
-                <a:ext uri="{FF2B5EF4-FFF2-40B4-BE49-F238E27FC236}">
-                  <a16:creationId xmlns:a16="http://schemas.microsoft.com/office/drawing/2014/main" id="{51C775F5-4F80-E4E5-69CE-51469A7BB902}"/>
-                </a:ext>
-              </a:extLst>
-            </p:cNvPr>
-            <p:cNvGrpSpPr/>
-            <p:nvPr/>
-          </p:nvGrpSpPr>
-          <p:grpSpPr>
-            <a:xfrm rot="5400000">
-              <a:off x="3940322" y="1698002"/>
-              <a:ext cx="231716" cy="545488"/>
-              <a:chOff x="4023939" y="2462567"/>
-              <a:chExt cx="231716" cy="545488"/>
-            </a:xfrm>
-          </p:grpSpPr>
-          <p:cxnSp>
-            <p:nvCxnSpPr>
-              <p:cNvPr id="67" name="Connecteur droit 66">
-                <a:extLst>
-                  <a:ext uri="{FF2B5EF4-FFF2-40B4-BE49-F238E27FC236}">
-                    <a16:creationId xmlns:a16="http://schemas.microsoft.com/office/drawing/2014/main" id="{216BAA8E-98BC-948C-EAF6-C00B68DAE831}"/>
-                  </a:ext>
-                </a:extLst>
-              </p:cNvPr>
-              <p:cNvCxnSpPr>
-                <a:cxnSpLocks/>
-              </p:cNvCxnSpPr>
-              <p:nvPr/>
-            </p:nvCxnSpPr>
-            <p:spPr>
-              <a:xfrm>
-                <a:off x="4142253" y="2462567"/>
-                <a:ext cx="108906" cy="81428"/>
-              </a:xfrm>
-              <a:prstGeom prst="line">
-                <a:avLst/>
-              </a:prstGeom>
-              <a:ln w="19050">
-                <a:solidFill>
-                  <a:schemeClr val="tx1"/>
-                </a:solidFill>
-              </a:ln>
-            </p:spPr>
-            <p:style>
-              <a:lnRef idx="1">
-                <a:schemeClr val="dk1"/>
-              </a:lnRef>
-              <a:fillRef idx="0">
-                <a:schemeClr val="dk1"/>
-              </a:fillRef>
-              <a:effectRef idx="0">
-                <a:schemeClr val="dk1"/>
-              </a:effectRef>
-              <a:fontRef idx="minor">
-                <a:schemeClr val="tx1"/>
-              </a:fontRef>
-            </p:style>
-          </p:cxnSp>
-          <p:cxnSp>
-            <p:nvCxnSpPr>
-              <p:cNvPr id="68" name="Connecteur droit 67">
-                <a:extLst>
-                  <a:ext uri="{FF2B5EF4-FFF2-40B4-BE49-F238E27FC236}">
-                    <a16:creationId xmlns:a16="http://schemas.microsoft.com/office/drawing/2014/main" id="{A7FD3A91-BC98-E5FE-700C-C6DF64F4EB6D}"/>
-                  </a:ext>
-                </a:extLst>
-              </p:cNvPr>
-              <p:cNvCxnSpPr>
-                <a:cxnSpLocks/>
-              </p:cNvCxnSpPr>
-              <p:nvPr/>
-            </p:nvCxnSpPr>
-            <p:spPr>
-              <a:xfrm flipH="1">
-                <a:off x="4033347" y="2538793"/>
-                <a:ext cx="222308" cy="76174"/>
-              </a:xfrm>
-              <a:prstGeom prst="line">
-                <a:avLst/>
-              </a:prstGeom>
-              <a:ln w="19050">
-                <a:solidFill>
-                  <a:schemeClr val="tx1"/>
-                </a:solidFill>
-              </a:ln>
-            </p:spPr>
-            <p:style>
-              <a:lnRef idx="1">
-                <a:schemeClr val="dk1"/>
-              </a:lnRef>
-              <a:fillRef idx="0">
-                <a:schemeClr val="dk1"/>
-              </a:fillRef>
-              <a:effectRef idx="0">
-                <a:schemeClr val="dk1"/>
-              </a:effectRef>
-              <a:fontRef idx="minor">
-                <a:schemeClr val="tx1"/>
-              </a:fontRef>
-            </p:style>
-          </p:cxnSp>
-          <p:cxnSp>
-            <p:nvCxnSpPr>
-              <p:cNvPr id="69" name="Connecteur droit 68">
-                <a:extLst>
-                  <a:ext uri="{FF2B5EF4-FFF2-40B4-BE49-F238E27FC236}">
-                    <a16:creationId xmlns:a16="http://schemas.microsoft.com/office/drawing/2014/main" id="{5979D757-76C9-E719-E984-5A24149265BB}"/>
-                  </a:ext>
-                </a:extLst>
-              </p:cNvPr>
-              <p:cNvCxnSpPr>
-                <a:cxnSpLocks/>
-              </p:cNvCxnSpPr>
-              <p:nvPr/>
-            </p:nvCxnSpPr>
-            <p:spPr>
-              <a:xfrm flipH="1" flipV="1">
-                <a:off x="4033347" y="2614291"/>
-                <a:ext cx="217812" cy="95620"/>
-              </a:xfrm>
-              <a:prstGeom prst="line">
-                <a:avLst/>
-              </a:prstGeom>
-              <a:ln w="19050">
-                <a:solidFill>
-                  <a:schemeClr val="tx1"/>
-                </a:solidFill>
-              </a:ln>
-            </p:spPr>
-            <p:style>
-              <a:lnRef idx="1">
-                <a:schemeClr val="dk1"/>
-              </a:lnRef>
-              <a:fillRef idx="0">
-                <a:schemeClr val="dk1"/>
-              </a:fillRef>
-              <a:effectRef idx="0">
-                <a:schemeClr val="dk1"/>
-              </a:effectRef>
-              <a:fontRef idx="minor">
-                <a:schemeClr val="tx1"/>
-              </a:fontRef>
-            </p:style>
-          </p:cxnSp>
-          <p:cxnSp>
-            <p:nvCxnSpPr>
-              <p:cNvPr id="70" name="Connecteur droit 69">
-                <a:extLst>
-                  <a:ext uri="{FF2B5EF4-FFF2-40B4-BE49-F238E27FC236}">
-                    <a16:creationId xmlns:a16="http://schemas.microsoft.com/office/drawing/2014/main" id="{8D42B6FD-F3CE-C699-B81D-DED395E2C24F}"/>
-                  </a:ext>
-                </a:extLst>
-              </p:cNvPr>
-              <p:cNvCxnSpPr>
-                <a:cxnSpLocks/>
-              </p:cNvCxnSpPr>
-              <p:nvPr/>
-            </p:nvCxnSpPr>
-            <p:spPr>
-              <a:xfrm flipH="1">
-                <a:off x="4028435" y="2713629"/>
-                <a:ext cx="222308" cy="76174"/>
-              </a:xfrm>
-              <a:prstGeom prst="line">
-                <a:avLst/>
-              </a:prstGeom>
-              <a:ln w="19050">
-                <a:solidFill>
-                  <a:schemeClr val="tx1"/>
-                </a:solidFill>
-              </a:ln>
-            </p:spPr>
-            <p:style>
-              <a:lnRef idx="1">
-                <a:schemeClr val="dk1"/>
-              </a:lnRef>
-              <a:fillRef idx="0">
-                <a:schemeClr val="dk1"/>
-              </a:fillRef>
-              <a:effectRef idx="0">
-                <a:schemeClr val="dk1"/>
-              </a:effectRef>
-              <a:fontRef idx="minor">
-                <a:schemeClr val="tx1"/>
-              </a:fontRef>
-            </p:style>
-          </p:cxnSp>
-          <p:cxnSp>
-            <p:nvCxnSpPr>
-              <p:cNvPr id="71" name="Connecteur droit 70">
-                <a:extLst>
-                  <a:ext uri="{FF2B5EF4-FFF2-40B4-BE49-F238E27FC236}">
-                    <a16:creationId xmlns:a16="http://schemas.microsoft.com/office/drawing/2014/main" id="{6FDC70CD-DE61-D5A6-C931-DEC4FE6695AA}"/>
-                  </a:ext>
-                </a:extLst>
-              </p:cNvPr>
-              <p:cNvCxnSpPr>
-                <a:cxnSpLocks/>
-              </p:cNvCxnSpPr>
-              <p:nvPr/>
-            </p:nvCxnSpPr>
-            <p:spPr>
-              <a:xfrm flipH="1" flipV="1">
-                <a:off x="4028435" y="2789127"/>
-                <a:ext cx="217812" cy="95620"/>
-              </a:xfrm>
-              <a:prstGeom prst="line">
-                <a:avLst/>
-              </a:prstGeom>
-              <a:ln w="19050">
-                <a:solidFill>
-                  <a:schemeClr val="tx1"/>
-                </a:solidFill>
-              </a:ln>
-            </p:spPr>
-            <p:style>
-              <a:lnRef idx="1">
-                <a:schemeClr val="dk1"/>
-              </a:lnRef>
-              <a:fillRef idx="0">
-                <a:schemeClr val="dk1"/>
-              </a:fillRef>
-              <a:effectRef idx="0">
-                <a:schemeClr val="dk1"/>
-              </a:effectRef>
-              <a:fontRef idx="minor">
-                <a:schemeClr val="tx1"/>
-              </a:fontRef>
-            </p:style>
-          </p:cxnSp>
-          <p:cxnSp>
-            <p:nvCxnSpPr>
-              <p:cNvPr id="72" name="Connecteur droit 71">
-                <a:extLst>
-                  <a:ext uri="{FF2B5EF4-FFF2-40B4-BE49-F238E27FC236}">
-                    <a16:creationId xmlns:a16="http://schemas.microsoft.com/office/drawing/2014/main" id="{CEF5B92D-2566-D52C-ECB4-64FC9C9D76A2}"/>
-                  </a:ext>
-                </a:extLst>
-              </p:cNvPr>
-              <p:cNvCxnSpPr>
-                <a:cxnSpLocks/>
-              </p:cNvCxnSpPr>
-              <p:nvPr/>
-            </p:nvCxnSpPr>
-            <p:spPr>
-              <a:xfrm flipH="1">
-                <a:off x="4023939" y="2881281"/>
-                <a:ext cx="222308" cy="76174"/>
-              </a:xfrm>
-              <a:prstGeom prst="line">
-                <a:avLst/>
-              </a:prstGeom>
-              <a:ln w="19050">
-                <a:solidFill>
-                  <a:schemeClr val="tx1"/>
-                </a:solidFill>
-              </a:ln>
-            </p:spPr>
-            <p:style>
-              <a:lnRef idx="1">
-                <a:schemeClr val="dk1"/>
-              </a:lnRef>
-              <a:fillRef idx="0">
-                <a:schemeClr val="dk1"/>
-              </a:fillRef>
-              <a:effectRef idx="0">
-                <a:schemeClr val="dk1"/>
-              </a:effectRef>
-              <a:fontRef idx="minor">
-                <a:schemeClr val="tx1"/>
-              </a:fontRef>
-            </p:style>
-          </p:cxnSp>
-          <p:cxnSp>
-            <p:nvCxnSpPr>
-              <p:cNvPr id="73" name="Connecteur droit 72">
-                <a:extLst>
-                  <a:ext uri="{FF2B5EF4-FFF2-40B4-BE49-F238E27FC236}">
-                    <a16:creationId xmlns:a16="http://schemas.microsoft.com/office/drawing/2014/main" id="{1C62E31D-D649-9B7C-D5A5-BABB3E726992}"/>
-                  </a:ext>
-                </a:extLst>
-              </p:cNvPr>
-              <p:cNvCxnSpPr>
-                <a:cxnSpLocks/>
-              </p:cNvCxnSpPr>
-              <p:nvPr/>
-            </p:nvCxnSpPr>
-            <p:spPr>
-              <a:xfrm flipH="1" flipV="1">
-                <a:off x="4023939" y="2956779"/>
-                <a:ext cx="125589" cy="51276"/>
-              </a:xfrm>
-              <a:prstGeom prst="line">
-                <a:avLst/>
-              </a:prstGeom>
-              <a:ln w="19050">
-                <a:solidFill>
-                  <a:schemeClr val="tx1"/>
-                </a:solidFill>
-              </a:ln>
-            </p:spPr>
-            <p:style>
-              <a:lnRef idx="1">
-                <a:schemeClr val="dk1"/>
-              </a:lnRef>
-              <a:fillRef idx="0">
-                <a:schemeClr val="dk1"/>
-              </a:fillRef>
-              <a:effectRef idx="0">
-                <a:schemeClr val="dk1"/>
-              </a:effectRef>
-              <a:fontRef idx="minor">
-                <a:schemeClr val="tx1"/>
-              </a:fontRef>
-            </p:style>
-          </p:cxnSp>
-        </p:grpSp>
-        <p:cxnSp>
-          <p:nvCxnSpPr>
-            <p:cNvPr id="54" name="Connecteur droit 53">
-              <a:extLst>
-                <a:ext uri="{FF2B5EF4-FFF2-40B4-BE49-F238E27FC236}">
-                  <a16:creationId xmlns:a16="http://schemas.microsoft.com/office/drawing/2014/main" id="{75B44709-FA6F-3025-2294-628F14B1A678}"/>
-                </a:ext>
-              </a:extLst>
-            </p:cNvPr>
-            <p:cNvCxnSpPr>
-              <a:cxnSpLocks/>
-            </p:cNvCxnSpPr>
-            <p:nvPr/>
-          </p:nvCxnSpPr>
-          <p:spPr>
-            <a:xfrm flipV="1">
-              <a:off x="4320330" y="1966042"/>
-              <a:ext cx="816820" cy="5628"/>
-            </a:xfrm>
-            <a:prstGeom prst="line">
-              <a:avLst/>
-            </a:prstGeom>
-            <a:ln w="19050">
-              <a:solidFill>
-                <a:schemeClr val="tx1"/>
-              </a:solidFill>
-            </a:ln>
-          </p:spPr>
-          <p:style>
-            <a:lnRef idx="1">
-              <a:schemeClr val="dk1"/>
-            </a:lnRef>
-            <a:fillRef idx="0">
-              <a:schemeClr val="dk1"/>
-            </a:fillRef>
-            <a:effectRef idx="0">
-              <a:schemeClr val="dk1"/>
-            </a:effectRef>
-            <a:fontRef idx="minor">
-              <a:schemeClr val="tx1"/>
-            </a:fontRef>
-          </p:style>
-        </p:cxnSp>
-        <p:sp>
-          <p:nvSpPr>
-            <p:cNvPr id="55" name="Triangle isocèle 54">
-              <a:extLst>
-                <a:ext uri="{FF2B5EF4-FFF2-40B4-BE49-F238E27FC236}">
-                  <a16:creationId xmlns:a16="http://schemas.microsoft.com/office/drawing/2014/main" id="{9EC0CEDA-1DB2-D9DA-5D9C-72DA588B552B}"/>
-                </a:ext>
-              </a:extLst>
-            </p:cNvPr>
-            <p:cNvSpPr/>
-            <p:nvPr/>
-          </p:nvSpPr>
-          <p:spPr>
-            <a:xfrm rot="5400000">
-              <a:off x="4964961" y="1936954"/>
-              <a:ext cx="63036" cy="58177"/>
-            </a:xfrm>
-            <a:prstGeom prst="triangle">
-              <a:avLst/>
-            </a:prstGeom>
-            <a:solidFill>
-              <a:schemeClr val="tx1"/>
-            </a:solidFill>
-            <a:ln>
-              <a:solidFill>
-                <a:schemeClr val="tx1"/>
-              </a:solidFill>
-            </a:ln>
-          </p:spPr>
-          <p:style>
-            <a:lnRef idx="2">
-              <a:schemeClr val="accent1">
-                <a:shade val="50000"/>
-              </a:schemeClr>
-            </a:lnRef>
-            <a:fillRef idx="1">
-              <a:schemeClr val="accent1"/>
-            </a:fillRef>
-            <a:effectRef idx="0">
-              <a:schemeClr val="accent1"/>
-            </a:effectRef>
-            <a:fontRef idx="minor">
-              <a:schemeClr val="lt1"/>
-            </a:fontRef>
-          </p:style>
-          <p:txBody>
-            <a:bodyPr rtlCol="0" anchor="ctr"/>
-            <a:lstStyle/>
-            <a:p>
-              <a:pPr algn="ctr"/>
-              <a:endParaRPr lang="fr-FR" dirty="0"/>
-            </a:p>
-          </p:txBody>
-        </p:sp>
-        <p:sp>
-          <p:nvSpPr>
-            <p:cNvPr id="56" name="Triangle isocèle 55">
-              <a:extLst>
-                <a:ext uri="{FF2B5EF4-FFF2-40B4-BE49-F238E27FC236}">
-                  <a16:creationId xmlns:a16="http://schemas.microsoft.com/office/drawing/2014/main" id="{3387EE09-1F84-9079-4A13-9430CD23F97D}"/>
-                </a:ext>
-              </a:extLst>
-            </p:cNvPr>
-            <p:cNvSpPr/>
-            <p:nvPr/>
-          </p:nvSpPr>
-          <p:spPr>
-            <a:xfrm>
-              <a:off x="1768607" y="2644473"/>
-              <a:ext cx="63036" cy="58177"/>
-            </a:xfrm>
-            <a:prstGeom prst="triangle">
-              <a:avLst/>
-            </a:prstGeom>
-            <a:solidFill>
-              <a:schemeClr val="tx1"/>
-            </a:solidFill>
-            <a:ln>
-              <a:solidFill>
-                <a:schemeClr val="tx1"/>
-              </a:solidFill>
-            </a:ln>
-          </p:spPr>
-          <p:style>
-            <a:lnRef idx="2">
-              <a:schemeClr val="accent1">
-                <a:shade val="50000"/>
-              </a:schemeClr>
-            </a:lnRef>
-            <a:fillRef idx="1">
-              <a:schemeClr val="accent1"/>
-            </a:fillRef>
-            <a:effectRef idx="0">
-              <a:schemeClr val="accent1"/>
-            </a:effectRef>
-            <a:fontRef idx="minor">
-              <a:schemeClr val="lt1"/>
-            </a:fontRef>
-          </p:style>
-          <p:txBody>
-            <a:bodyPr rtlCol="0" anchor="ctr"/>
-            <a:lstStyle/>
-            <a:p>
-              <a:pPr algn="ctr"/>
-              <a:endParaRPr lang="fr-FR" dirty="0"/>
-            </a:p>
-          </p:txBody>
-        </p:sp>
-        <p:cxnSp>
-          <p:nvCxnSpPr>
-            <p:cNvPr id="57" name="Connecteur droit 56">
-              <a:extLst>
-                <a:ext uri="{FF2B5EF4-FFF2-40B4-BE49-F238E27FC236}">
-                  <a16:creationId xmlns:a16="http://schemas.microsoft.com/office/drawing/2014/main" id="{D1206DBC-D407-774A-C403-2B101AC1A943}"/>
-                </a:ext>
-              </a:extLst>
-            </p:cNvPr>
-            <p:cNvCxnSpPr>
-              <a:cxnSpLocks/>
-            </p:cNvCxnSpPr>
-            <p:nvPr/>
-          </p:nvCxnSpPr>
-          <p:spPr>
-            <a:xfrm flipV="1">
-              <a:off x="1799336" y="2702650"/>
-              <a:ext cx="0" cy="154364"/>
-            </a:xfrm>
-            <a:prstGeom prst="line">
-              <a:avLst/>
-            </a:prstGeom>
-            <a:ln w="19050">
-              <a:solidFill>
-                <a:schemeClr val="tx1"/>
-              </a:solidFill>
-            </a:ln>
-          </p:spPr>
-          <p:style>
-            <a:lnRef idx="1">
-              <a:schemeClr val="accent1"/>
-            </a:lnRef>
-            <a:fillRef idx="0">
-              <a:schemeClr val="accent1"/>
-            </a:fillRef>
-            <a:effectRef idx="0">
-              <a:schemeClr val="accent1"/>
-            </a:effectRef>
-            <a:fontRef idx="minor">
-              <a:schemeClr val="tx1"/>
-            </a:fontRef>
-          </p:style>
-        </p:cxnSp>
-        <p:sp>
-          <p:nvSpPr>
-            <p:cNvPr id="58" name="ZoneTexte 57">
-              <a:extLst>
-                <a:ext uri="{FF2B5EF4-FFF2-40B4-BE49-F238E27FC236}">
-                  <a16:creationId xmlns:a16="http://schemas.microsoft.com/office/drawing/2014/main" id="{E6AAA6D8-6593-8151-134F-28C4AFEAEAD2}"/>
-                </a:ext>
-              </a:extLst>
-            </p:cNvPr>
-            <p:cNvSpPr txBox="1"/>
-            <p:nvPr/>
-          </p:nvSpPr>
-          <p:spPr>
-            <a:xfrm>
-              <a:off x="1174750" y="2400300"/>
-              <a:ext cx="360168" cy="369332"/>
-            </a:xfrm>
-            <a:prstGeom prst="rect">
-              <a:avLst/>
-            </a:prstGeom>
-            <a:noFill/>
-          </p:spPr>
-          <p:txBody>
-            <a:bodyPr wrap="square" rtlCol="0">
-              <a:spAutoFit/>
-            </a:bodyPr>
-            <a:lstStyle/>
-            <a:p>
-              <a:r>
-                <a:rPr lang="fr-FR" b="1" dirty="0"/>
-                <a:t>I</a:t>
-              </a:r>
-              <a:r>
-                <a:rPr lang="fr-FR" b="1" baseline="-25000" dirty="0"/>
-                <a:t>L</a:t>
-              </a:r>
-            </a:p>
-          </p:txBody>
-        </p:sp>
-        <p:sp>
-          <p:nvSpPr>
-            <p:cNvPr id="59" name="ZoneTexte 58">
-              <a:extLst>
-                <a:ext uri="{FF2B5EF4-FFF2-40B4-BE49-F238E27FC236}">
-                  <a16:creationId xmlns:a16="http://schemas.microsoft.com/office/drawing/2014/main" id="{48B9B44B-EB96-E333-2D0A-3152670D33B3}"/>
-                </a:ext>
-              </a:extLst>
-            </p:cNvPr>
-            <p:cNvSpPr txBox="1"/>
-            <p:nvPr/>
-          </p:nvSpPr>
-          <p:spPr>
-            <a:xfrm>
-              <a:off x="2422227" y="1996256"/>
-              <a:ext cx="360168" cy="369332"/>
-            </a:xfrm>
-            <a:prstGeom prst="rect">
-              <a:avLst/>
-            </a:prstGeom>
-            <a:noFill/>
-          </p:spPr>
-          <p:txBody>
-            <a:bodyPr wrap="square" rtlCol="0">
-              <a:spAutoFit/>
-            </a:bodyPr>
-            <a:lstStyle/>
-            <a:p>
-              <a:r>
-                <a:rPr lang="fr-FR" b="1" dirty="0"/>
-                <a:t>I</a:t>
-              </a:r>
-              <a:r>
-                <a:rPr lang="fr-FR" b="1" baseline="-25000" dirty="0"/>
-                <a:t>D</a:t>
-              </a:r>
-            </a:p>
-          </p:txBody>
-        </p:sp>
-        <p:sp>
-          <p:nvSpPr>
-            <p:cNvPr id="60" name="ZoneTexte 59">
-              <a:extLst>
-                <a:ext uri="{FF2B5EF4-FFF2-40B4-BE49-F238E27FC236}">
-                  <a16:creationId xmlns:a16="http://schemas.microsoft.com/office/drawing/2014/main" id="{1382A35B-1FE8-D2FE-A9C1-2495AC5953A2}"/>
-                </a:ext>
-              </a:extLst>
-            </p:cNvPr>
-            <p:cNvSpPr txBox="1"/>
-            <p:nvPr/>
-          </p:nvSpPr>
-          <p:spPr>
-            <a:xfrm>
-              <a:off x="4841398" y="1591221"/>
-              <a:ext cx="360168" cy="369332"/>
-            </a:xfrm>
-            <a:prstGeom prst="rect">
-              <a:avLst/>
-            </a:prstGeom>
-            <a:noFill/>
-          </p:spPr>
-          <p:txBody>
-            <a:bodyPr wrap="square" rtlCol="0">
-              <a:spAutoFit/>
-            </a:bodyPr>
-            <a:lstStyle/>
-            <a:p>
-              <a:r>
-                <a:rPr lang="fr-FR" b="1" dirty="0"/>
-                <a:t>I</a:t>
-              </a:r>
-              <a:endParaRPr lang="fr-FR" b="1" baseline="-25000" dirty="0"/>
-            </a:p>
-          </p:txBody>
-        </p:sp>
-        <p:sp>
-          <p:nvSpPr>
-            <p:cNvPr id="61" name="ZoneTexte 60">
-              <a:extLst>
-                <a:ext uri="{FF2B5EF4-FFF2-40B4-BE49-F238E27FC236}">
-                  <a16:creationId xmlns:a16="http://schemas.microsoft.com/office/drawing/2014/main" id="{6EBC0838-E980-882D-64C7-E78A4954BB0D}"/>
-                </a:ext>
-              </a:extLst>
-            </p:cNvPr>
-            <p:cNvSpPr txBox="1"/>
-            <p:nvPr/>
-          </p:nvSpPr>
-          <p:spPr>
-            <a:xfrm>
-              <a:off x="4816395" y="2559191"/>
-              <a:ext cx="360168" cy="369332"/>
-            </a:xfrm>
-            <a:prstGeom prst="rect">
-              <a:avLst/>
-            </a:prstGeom>
-            <a:noFill/>
-          </p:spPr>
-          <p:txBody>
-            <a:bodyPr wrap="square" rtlCol="0">
-              <a:spAutoFit/>
-            </a:bodyPr>
-            <a:lstStyle/>
-            <a:p>
-              <a:r>
-                <a:rPr lang="fr-FR" b="1" dirty="0"/>
-                <a:t>V</a:t>
-              </a:r>
-              <a:endParaRPr lang="fr-FR" b="1" baseline="-25000" dirty="0"/>
-            </a:p>
-          </p:txBody>
-        </p:sp>
-        <p:sp>
-          <p:nvSpPr>
-            <p:cNvPr id="62" name="ZoneTexte 61">
-              <a:extLst>
-                <a:ext uri="{FF2B5EF4-FFF2-40B4-BE49-F238E27FC236}">
-                  <a16:creationId xmlns:a16="http://schemas.microsoft.com/office/drawing/2014/main" id="{CAC08309-5E3F-7F77-B87A-951ECBBD9315}"/>
-                </a:ext>
-              </a:extLst>
-            </p:cNvPr>
-            <p:cNvSpPr txBox="1"/>
-            <p:nvPr/>
-          </p:nvSpPr>
-          <p:spPr>
-            <a:xfrm>
-              <a:off x="4852275" y="2003621"/>
-              <a:ext cx="360168" cy="369332"/>
-            </a:xfrm>
-            <a:prstGeom prst="rect">
-              <a:avLst/>
-            </a:prstGeom>
-            <a:noFill/>
-          </p:spPr>
-          <p:txBody>
-            <a:bodyPr wrap="square" rtlCol="0">
-              <a:spAutoFit/>
-            </a:bodyPr>
-            <a:lstStyle/>
-            <a:p>
-              <a:r>
-                <a:rPr lang="fr-FR" b="1" dirty="0"/>
-                <a:t>+</a:t>
-              </a:r>
-              <a:endParaRPr lang="fr-FR" b="1" baseline="-25000" dirty="0"/>
-            </a:p>
-          </p:txBody>
-        </p:sp>
-        <p:sp>
-          <p:nvSpPr>
-            <p:cNvPr id="63" name="ZoneTexte 62">
-              <a:extLst>
-                <a:ext uri="{FF2B5EF4-FFF2-40B4-BE49-F238E27FC236}">
-                  <a16:creationId xmlns:a16="http://schemas.microsoft.com/office/drawing/2014/main" id="{E9132D2A-1532-BF98-4828-0151780CFACF}"/>
-                </a:ext>
-              </a:extLst>
-            </p:cNvPr>
-            <p:cNvSpPr txBox="1"/>
-            <p:nvPr/>
-          </p:nvSpPr>
-          <p:spPr>
-            <a:xfrm>
-              <a:off x="4852275" y="3347206"/>
-              <a:ext cx="360168" cy="369332"/>
-            </a:xfrm>
-            <a:prstGeom prst="rect">
-              <a:avLst/>
-            </a:prstGeom>
-            <a:noFill/>
-          </p:spPr>
-          <p:txBody>
-            <a:bodyPr wrap="square" rtlCol="0">
-              <a:spAutoFit/>
-            </a:bodyPr>
-            <a:lstStyle/>
-            <a:p>
-              <a:r>
-                <a:rPr lang="fr-FR" b="1" dirty="0"/>
-                <a:t>-</a:t>
-              </a:r>
-              <a:endParaRPr lang="fr-FR" b="1" baseline="-25000" dirty="0"/>
-            </a:p>
-          </p:txBody>
-        </p:sp>
-        <p:sp>
-          <p:nvSpPr>
-            <p:cNvPr id="64" name="Ellipse 63">
-              <a:extLst>
-                <a:ext uri="{FF2B5EF4-FFF2-40B4-BE49-F238E27FC236}">
-                  <a16:creationId xmlns:a16="http://schemas.microsoft.com/office/drawing/2014/main" id="{F4F151FC-BF2C-6400-8BE5-A99FFAC29C98}"/>
-                </a:ext>
-              </a:extLst>
-            </p:cNvPr>
-            <p:cNvSpPr/>
-            <p:nvPr/>
-          </p:nvSpPr>
-          <p:spPr>
-            <a:xfrm>
-              <a:off x="5129078" y="1941780"/>
-              <a:ext cx="45719" cy="45719"/>
-            </a:xfrm>
-            <a:prstGeom prst="ellipse">
-              <a:avLst/>
-            </a:prstGeom>
-            <a:solidFill>
-              <a:schemeClr val="bg1"/>
-            </a:solidFill>
-            <a:ln>
-              <a:solidFill>
-                <a:schemeClr val="tx1"/>
-              </a:solidFill>
-            </a:ln>
-          </p:spPr>
-          <p:style>
-            <a:lnRef idx="2">
-              <a:schemeClr val="accent1">
-                <a:shade val="50000"/>
-              </a:schemeClr>
-            </a:lnRef>
-            <a:fillRef idx="1">
-              <a:schemeClr val="accent1"/>
-            </a:fillRef>
-            <a:effectRef idx="0">
-              <a:schemeClr val="accent1"/>
-            </a:effectRef>
-            <a:fontRef idx="minor">
-              <a:schemeClr val="lt1"/>
-            </a:fontRef>
-          </p:style>
-          <p:txBody>
-            <a:bodyPr rtlCol="0" anchor="ctr"/>
-            <a:lstStyle/>
-            <a:p>
-              <a:pPr algn="ctr"/>
-              <a:endParaRPr lang="fr-FR"/>
-            </a:p>
-          </p:txBody>
-        </p:sp>
-        <p:sp>
-          <p:nvSpPr>
-            <p:cNvPr id="65" name="Ellipse 64">
-              <a:extLst>
-                <a:ext uri="{FF2B5EF4-FFF2-40B4-BE49-F238E27FC236}">
-                  <a16:creationId xmlns:a16="http://schemas.microsoft.com/office/drawing/2014/main" id="{97ACB308-C2E7-FE66-6F78-698D7C9E723C}"/>
-                </a:ext>
-              </a:extLst>
-            </p:cNvPr>
-            <p:cNvSpPr/>
-            <p:nvPr/>
-          </p:nvSpPr>
-          <p:spPr>
-            <a:xfrm>
-              <a:off x="5125584" y="3701121"/>
-              <a:ext cx="45719" cy="45719"/>
-            </a:xfrm>
-            <a:prstGeom prst="ellipse">
-              <a:avLst/>
-            </a:prstGeom>
-            <a:solidFill>
-              <a:schemeClr val="bg1"/>
-            </a:solidFill>
-            <a:ln>
-              <a:solidFill>
-                <a:schemeClr val="tx1"/>
-              </a:solidFill>
-            </a:ln>
-          </p:spPr>
-          <p:style>
-            <a:lnRef idx="2">
-              <a:schemeClr val="accent1">
-                <a:shade val="50000"/>
-              </a:schemeClr>
-            </a:lnRef>
-            <a:fillRef idx="1">
-              <a:schemeClr val="accent1"/>
-            </a:fillRef>
-            <a:effectRef idx="0">
-              <a:schemeClr val="accent1"/>
-            </a:effectRef>
-            <a:fontRef idx="minor">
-              <a:schemeClr val="lt1"/>
-            </a:fontRef>
-          </p:style>
-          <p:txBody>
-            <a:bodyPr rtlCol="0" anchor="ctr"/>
-            <a:lstStyle/>
-            <a:p>
-              <a:pPr algn="ctr"/>
-              <a:endParaRPr lang="fr-FR"/>
-            </a:p>
-          </p:txBody>
-        </p:sp>
-        <p:sp>
-          <p:nvSpPr>
-            <p:cNvPr id="66" name="ZoneTexte 65">
-              <a:extLst>
-                <a:ext uri="{FF2B5EF4-FFF2-40B4-BE49-F238E27FC236}">
-                  <a16:creationId xmlns:a16="http://schemas.microsoft.com/office/drawing/2014/main" id="{00D08CBE-68E5-5960-0575-84A460FA1EF8}"/>
-                </a:ext>
-              </a:extLst>
-            </p:cNvPr>
-            <p:cNvSpPr txBox="1"/>
-            <p:nvPr/>
-          </p:nvSpPr>
-          <p:spPr>
-            <a:xfrm>
-              <a:off x="3881705" y="2065905"/>
-              <a:ext cx="615135" cy="369332"/>
-            </a:xfrm>
-            <a:prstGeom prst="rect">
-              <a:avLst/>
-            </a:prstGeom>
-            <a:noFill/>
-          </p:spPr>
-          <p:txBody>
-            <a:bodyPr wrap="square" rtlCol="0">
-              <a:spAutoFit/>
-            </a:bodyPr>
-            <a:lstStyle/>
-            <a:p>
-              <a:r>
-                <a:rPr lang="fr-FR" b="1" dirty="0"/>
-                <a:t>R</a:t>
-              </a:r>
-              <a:r>
-                <a:rPr lang="fr-FR" b="1" baseline="-25000" dirty="0"/>
-                <a:t>s</a:t>
-              </a:r>
-            </a:p>
-          </p:txBody>
-        </p:sp>
-      </p:grpSp>
       <p:sp>
         <p:nvSpPr>
           <p:cNvPr id="7" name="Rectangle 6">
@@ -26602,6 +25368,1820 @@
           </a:fontRef>
         </p:style>
       </p:cxnSp>
+      <p:grpSp>
+        <p:nvGrpSpPr>
+          <p:cNvPr id="86" name="Groupe 85">
+            <a:extLst>
+              <a:ext uri="{FF2B5EF4-FFF2-40B4-BE49-F238E27FC236}">
+                <a16:creationId xmlns:a16="http://schemas.microsoft.com/office/drawing/2014/main" id="{08DCD615-7511-EC55-45E9-270A842EFE56}"/>
+              </a:ext>
+            </a:extLst>
+          </p:cNvPr>
+          <p:cNvGrpSpPr/>
+          <p:nvPr/>
+        </p:nvGrpSpPr>
+        <p:grpSpPr>
+          <a:xfrm>
+            <a:off x="3768823" y="0"/>
+            <a:ext cx="4037693" cy="2155619"/>
+            <a:chOff x="1174750" y="1591221"/>
+            <a:chExt cx="4037693" cy="2155619"/>
+          </a:xfrm>
+        </p:grpSpPr>
+        <p:sp>
+          <p:nvSpPr>
+            <p:cNvPr id="87" name="Ellipse 86">
+              <a:extLst>
+                <a:ext uri="{FF2B5EF4-FFF2-40B4-BE49-F238E27FC236}">
+                  <a16:creationId xmlns:a16="http://schemas.microsoft.com/office/drawing/2014/main" id="{F1AFCDA9-ED9D-E297-2C9B-F5355F8E03E6}"/>
+                </a:ext>
+              </a:extLst>
+            </p:cNvPr>
+            <p:cNvSpPr/>
+            <p:nvPr/>
+          </p:nvSpPr>
+          <p:spPr>
+            <a:xfrm>
+              <a:off x="1585518" y="2550252"/>
+              <a:ext cx="444617" cy="444617"/>
+            </a:xfrm>
+            <a:prstGeom prst="ellipse">
+              <a:avLst/>
+            </a:prstGeom>
+            <a:noFill/>
+            <a:ln>
+              <a:solidFill>
+                <a:schemeClr val="tx1"/>
+              </a:solidFill>
+            </a:ln>
+          </p:spPr>
+          <p:style>
+            <a:lnRef idx="2">
+              <a:schemeClr val="accent1">
+                <a:shade val="50000"/>
+              </a:schemeClr>
+            </a:lnRef>
+            <a:fillRef idx="1">
+              <a:schemeClr val="accent1"/>
+            </a:fillRef>
+            <a:effectRef idx="0">
+              <a:schemeClr val="accent1"/>
+            </a:effectRef>
+            <a:fontRef idx="minor">
+              <a:schemeClr val="lt1"/>
+            </a:fontRef>
+          </p:style>
+          <p:txBody>
+            <a:bodyPr rtlCol="0" anchor="ctr"/>
+            <a:lstStyle/>
+            <a:p>
+              <a:pPr algn="ctr"/>
+              <a:endParaRPr lang="fr-FR"/>
+            </a:p>
+          </p:txBody>
+        </p:sp>
+        <p:cxnSp>
+          <p:nvCxnSpPr>
+            <p:cNvPr id="88" name="Connecteur : en angle 87">
+              <a:extLst>
+                <a:ext uri="{FF2B5EF4-FFF2-40B4-BE49-F238E27FC236}">
+                  <a16:creationId xmlns:a16="http://schemas.microsoft.com/office/drawing/2014/main" id="{C04CE57E-D151-2502-73AB-6EAA834C6BD3}"/>
+                </a:ext>
+              </a:extLst>
+            </p:cNvPr>
+            <p:cNvCxnSpPr>
+              <a:stCxn id="87" idx="0"/>
+            </p:cNvCxnSpPr>
+            <p:nvPr/>
+          </p:nvCxnSpPr>
+          <p:spPr>
+            <a:xfrm rot="5400000" flipH="1" flipV="1">
+              <a:off x="2506212" y="1273029"/>
+              <a:ext cx="578839" cy="1975608"/>
+            </a:xfrm>
+            <a:prstGeom prst="bentConnector2">
+              <a:avLst/>
+            </a:prstGeom>
+            <a:ln w="19050"/>
+          </p:spPr>
+          <p:style>
+            <a:lnRef idx="1">
+              <a:schemeClr val="dk1"/>
+            </a:lnRef>
+            <a:fillRef idx="0">
+              <a:schemeClr val="dk1"/>
+            </a:fillRef>
+            <a:effectRef idx="0">
+              <a:schemeClr val="dk1"/>
+            </a:effectRef>
+            <a:fontRef idx="minor">
+              <a:schemeClr val="tx1"/>
+            </a:fontRef>
+          </p:style>
+        </p:cxnSp>
+        <p:cxnSp>
+          <p:nvCxnSpPr>
+            <p:cNvPr id="89" name="Connecteur : en angle 88">
+              <a:extLst>
+                <a:ext uri="{FF2B5EF4-FFF2-40B4-BE49-F238E27FC236}">
+                  <a16:creationId xmlns:a16="http://schemas.microsoft.com/office/drawing/2014/main" id="{B5A2E45C-BF94-9968-86CF-87470C11C20E}"/>
+                </a:ext>
+              </a:extLst>
+            </p:cNvPr>
+            <p:cNvCxnSpPr>
+              <a:cxnSpLocks/>
+              <a:stCxn id="87" idx="4"/>
+            </p:cNvCxnSpPr>
+            <p:nvPr/>
+          </p:nvCxnSpPr>
+          <p:spPr>
+            <a:xfrm rot="16200000" flipH="1">
+              <a:off x="3107567" y="1695128"/>
+              <a:ext cx="729842" cy="3329323"/>
+            </a:xfrm>
+            <a:prstGeom prst="bentConnector2">
+              <a:avLst/>
+            </a:prstGeom>
+            <a:ln w="19050"/>
+          </p:spPr>
+          <p:style>
+            <a:lnRef idx="1">
+              <a:schemeClr val="dk1"/>
+            </a:lnRef>
+            <a:fillRef idx="0">
+              <a:schemeClr val="dk1"/>
+            </a:fillRef>
+            <a:effectRef idx="0">
+              <a:schemeClr val="dk1"/>
+            </a:effectRef>
+            <a:fontRef idx="minor">
+              <a:schemeClr val="tx1"/>
+            </a:fontRef>
+          </p:style>
+        </p:cxnSp>
+        <p:grpSp>
+          <p:nvGrpSpPr>
+            <p:cNvPr id="90" name="Groupe 89">
+              <a:extLst>
+                <a:ext uri="{FF2B5EF4-FFF2-40B4-BE49-F238E27FC236}">
+                  <a16:creationId xmlns:a16="http://schemas.microsoft.com/office/drawing/2014/main" id="{BBCFC473-82FB-E20C-55EB-743DE8BEFC7B}"/>
+                </a:ext>
+              </a:extLst>
+            </p:cNvPr>
+            <p:cNvGrpSpPr/>
+            <p:nvPr/>
+          </p:nvGrpSpPr>
+          <p:grpSpPr>
+            <a:xfrm>
+              <a:off x="2185952" y="2676084"/>
+              <a:ext cx="318783" cy="296654"/>
+              <a:chOff x="2428611" y="2625751"/>
+              <a:chExt cx="318783" cy="296654"/>
+            </a:xfrm>
+          </p:grpSpPr>
+          <p:sp>
+            <p:nvSpPr>
+              <p:cNvPr id="115" name="Triangle isocèle 114">
+                <a:extLst>
+                  <a:ext uri="{FF2B5EF4-FFF2-40B4-BE49-F238E27FC236}">
+                    <a16:creationId xmlns:a16="http://schemas.microsoft.com/office/drawing/2014/main" id="{F47ACAA5-A787-A826-0FC6-B4DFE3F993D5}"/>
+                  </a:ext>
+                </a:extLst>
+              </p:cNvPr>
+              <p:cNvSpPr/>
+              <p:nvPr/>
+            </p:nvSpPr>
+            <p:spPr>
+              <a:xfrm rot="10800000">
+                <a:off x="2428612" y="2625751"/>
+                <a:ext cx="318782" cy="293617"/>
+              </a:xfrm>
+              <a:prstGeom prst="triangle">
+                <a:avLst/>
+              </a:prstGeom>
+              <a:noFill/>
+              <a:ln>
+                <a:solidFill>
+                  <a:schemeClr val="tx1"/>
+                </a:solidFill>
+              </a:ln>
+            </p:spPr>
+            <p:style>
+              <a:lnRef idx="2">
+                <a:schemeClr val="accent1">
+                  <a:shade val="50000"/>
+                </a:schemeClr>
+              </a:lnRef>
+              <a:fillRef idx="1">
+                <a:schemeClr val="accent1"/>
+              </a:fillRef>
+              <a:effectRef idx="0">
+                <a:schemeClr val="accent1"/>
+              </a:effectRef>
+              <a:fontRef idx="minor">
+                <a:schemeClr val="lt1"/>
+              </a:fontRef>
+            </p:style>
+            <p:txBody>
+              <a:bodyPr rtlCol="0" anchor="ctr"/>
+              <a:lstStyle/>
+              <a:p>
+                <a:pPr algn="ctr"/>
+                <a:endParaRPr lang="fr-FR" dirty="0"/>
+              </a:p>
+            </p:txBody>
+          </p:sp>
+          <p:cxnSp>
+            <p:nvCxnSpPr>
+              <p:cNvPr id="116" name="Connecteur droit 115">
+                <a:extLst>
+                  <a:ext uri="{FF2B5EF4-FFF2-40B4-BE49-F238E27FC236}">
+                    <a16:creationId xmlns:a16="http://schemas.microsoft.com/office/drawing/2014/main" id="{92776146-83D4-57CC-4969-1714F5CA1176}"/>
+                  </a:ext>
+                </a:extLst>
+              </p:cNvPr>
+              <p:cNvCxnSpPr>
+                <a:cxnSpLocks/>
+              </p:cNvCxnSpPr>
+              <p:nvPr/>
+            </p:nvCxnSpPr>
+            <p:spPr>
+              <a:xfrm>
+                <a:off x="2428611" y="2922405"/>
+                <a:ext cx="318783" cy="0"/>
+              </a:xfrm>
+              <a:prstGeom prst="line">
+                <a:avLst/>
+              </a:prstGeom>
+              <a:ln w="19050">
+                <a:solidFill>
+                  <a:schemeClr val="tx1"/>
+                </a:solidFill>
+              </a:ln>
+            </p:spPr>
+            <p:style>
+              <a:lnRef idx="1">
+                <a:schemeClr val="dk1"/>
+              </a:lnRef>
+              <a:fillRef idx="0">
+                <a:schemeClr val="dk1"/>
+              </a:fillRef>
+              <a:effectRef idx="0">
+                <a:schemeClr val="dk1"/>
+              </a:effectRef>
+              <a:fontRef idx="minor">
+                <a:schemeClr val="tx1"/>
+              </a:fontRef>
+            </p:style>
+          </p:cxnSp>
+        </p:grpSp>
+        <p:cxnSp>
+          <p:nvCxnSpPr>
+            <p:cNvPr id="91" name="Connecteur droit 90">
+              <a:extLst>
+                <a:ext uri="{FF2B5EF4-FFF2-40B4-BE49-F238E27FC236}">
+                  <a16:creationId xmlns:a16="http://schemas.microsoft.com/office/drawing/2014/main" id="{CA96EE63-E9A9-3AB7-6226-3AEE01E74773}"/>
+                </a:ext>
+              </a:extLst>
+            </p:cNvPr>
+            <p:cNvCxnSpPr>
+              <a:cxnSpLocks/>
+              <a:stCxn id="115" idx="3"/>
+            </p:cNvCxnSpPr>
+            <p:nvPr/>
+          </p:nvCxnSpPr>
+          <p:spPr>
+            <a:xfrm flipV="1">
+              <a:off x="2345344" y="1980478"/>
+              <a:ext cx="0" cy="695606"/>
+            </a:xfrm>
+            <a:prstGeom prst="line">
+              <a:avLst/>
+            </a:prstGeom>
+            <a:ln w="19050">
+              <a:solidFill>
+                <a:schemeClr val="tx1"/>
+              </a:solidFill>
+            </a:ln>
+          </p:spPr>
+          <p:style>
+            <a:lnRef idx="1">
+              <a:schemeClr val="accent1"/>
+            </a:lnRef>
+            <a:fillRef idx="0">
+              <a:schemeClr val="accent1"/>
+            </a:fillRef>
+            <a:effectRef idx="0">
+              <a:schemeClr val="accent1"/>
+            </a:effectRef>
+            <a:fontRef idx="minor">
+              <a:schemeClr val="tx1"/>
+            </a:fontRef>
+          </p:style>
+        </p:cxnSp>
+        <p:cxnSp>
+          <p:nvCxnSpPr>
+            <p:cNvPr id="92" name="Connecteur droit 91">
+              <a:extLst>
+                <a:ext uri="{FF2B5EF4-FFF2-40B4-BE49-F238E27FC236}">
+                  <a16:creationId xmlns:a16="http://schemas.microsoft.com/office/drawing/2014/main" id="{4BE89EF6-94A1-ED83-0B60-537816179112}"/>
+                </a:ext>
+              </a:extLst>
+            </p:cNvPr>
+            <p:cNvCxnSpPr>
+              <a:cxnSpLocks/>
+              <a:endCxn id="115" idx="0"/>
+            </p:cNvCxnSpPr>
+            <p:nvPr/>
+          </p:nvCxnSpPr>
+          <p:spPr>
+            <a:xfrm flipV="1">
+              <a:off x="2345344" y="2969701"/>
+              <a:ext cx="0" cy="755010"/>
+            </a:xfrm>
+            <a:prstGeom prst="line">
+              <a:avLst/>
+            </a:prstGeom>
+            <a:ln w="19050">
+              <a:solidFill>
+                <a:schemeClr val="tx1"/>
+              </a:solidFill>
+            </a:ln>
+          </p:spPr>
+          <p:style>
+            <a:lnRef idx="1">
+              <a:schemeClr val="accent1"/>
+            </a:lnRef>
+            <a:fillRef idx="0">
+              <a:schemeClr val="accent1"/>
+            </a:fillRef>
+            <a:effectRef idx="0">
+              <a:schemeClr val="accent1"/>
+            </a:effectRef>
+            <a:fontRef idx="minor">
+              <a:schemeClr val="tx1"/>
+            </a:fontRef>
+          </p:style>
+        </p:cxnSp>
+        <p:sp>
+          <p:nvSpPr>
+            <p:cNvPr id="93" name="Triangle isocèle 92">
+              <a:extLst>
+                <a:ext uri="{FF2B5EF4-FFF2-40B4-BE49-F238E27FC236}">
+                  <a16:creationId xmlns:a16="http://schemas.microsoft.com/office/drawing/2014/main" id="{D3E38471-714D-787F-C96F-3A743CFE2B81}"/>
+                </a:ext>
+              </a:extLst>
+            </p:cNvPr>
+            <p:cNvSpPr/>
+            <p:nvPr/>
+          </p:nvSpPr>
+          <p:spPr>
+            <a:xfrm rot="10800000">
+              <a:off x="2307245" y="2252987"/>
+              <a:ext cx="63036" cy="58177"/>
+            </a:xfrm>
+            <a:prstGeom prst="triangle">
+              <a:avLst/>
+            </a:prstGeom>
+            <a:solidFill>
+              <a:schemeClr val="tx1"/>
+            </a:solidFill>
+            <a:ln>
+              <a:solidFill>
+                <a:schemeClr val="tx1"/>
+              </a:solidFill>
+            </a:ln>
+          </p:spPr>
+          <p:style>
+            <a:lnRef idx="2">
+              <a:schemeClr val="accent1">
+                <a:shade val="50000"/>
+              </a:schemeClr>
+            </a:lnRef>
+            <a:fillRef idx="1">
+              <a:schemeClr val="accent1"/>
+            </a:fillRef>
+            <a:effectRef idx="0">
+              <a:schemeClr val="accent1"/>
+            </a:effectRef>
+            <a:fontRef idx="minor">
+              <a:schemeClr val="lt1"/>
+            </a:fontRef>
+          </p:style>
+          <p:txBody>
+            <a:bodyPr rtlCol="0" anchor="ctr"/>
+            <a:lstStyle/>
+            <a:p>
+              <a:pPr algn="ctr"/>
+              <a:endParaRPr lang="fr-FR" dirty="0"/>
+            </a:p>
+          </p:txBody>
+        </p:sp>
+        <p:grpSp>
+          <p:nvGrpSpPr>
+            <p:cNvPr id="94" name="Groupe 93">
+              <a:extLst>
+                <a:ext uri="{FF2B5EF4-FFF2-40B4-BE49-F238E27FC236}">
+                  <a16:creationId xmlns:a16="http://schemas.microsoft.com/office/drawing/2014/main" id="{E68ECDFE-89F9-95CB-6E64-0388B7C4293E}"/>
+                </a:ext>
+              </a:extLst>
+            </p:cNvPr>
+            <p:cNvGrpSpPr/>
+            <p:nvPr/>
+          </p:nvGrpSpPr>
+          <p:grpSpPr>
+            <a:xfrm rot="5400000">
+              <a:off x="3940322" y="1698002"/>
+              <a:ext cx="231716" cy="545488"/>
+              <a:chOff x="4023939" y="2462567"/>
+              <a:chExt cx="231716" cy="545488"/>
+            </a:xfrm>
+          </p:grpSpPr>
+          <p:cxnSp>
+            <p:nvCxnSpPr>
+              <p:cNvPr id="108" name="Connecteur droit 107">
+                <a:extLst>
+                  <a:ext uri="{FF2B5EF4-FFF2-40B4-BE49-F238E27FC236}">
+                    <a16:creationId xmlns:a16="http://schemas.microsoft.com/office/drawing/2014/main" id="{75183173-08C4-A36B-E1C6-274B0A2C207A}"/>
+                  </a:ext>
+                </a:extLst>
+              </p:cNvPr>
+              <p:cNvCxnSpPr>
+                <a:cxnSpLocks/>
+              </p:cNvCxnSpPr>
+              <p:nvPr/>
+            </p:nvCxnSpPr>
+            <p:spPr>
+              <a:xfrm>
+                <a:off x="4142253" y="2462567"/>
+                <a:ext cx="108906" cy="81428"/>
+              </a:xfrm>
+              <a:prstGeom prst="line">
+                <a:avLst/>
+              </a:prstGeom>
+              <a:ln w="19050">
+                <a:solidFill>
+                  <a:schemeClr val="tx1"/>
+                </a:solidFill>
+              </a:ln>
+            </p:spPr>
+            <p:style>
+              <a:lnRef idx="1">
+                <a:schemeClr val="dk1"/>
+              </a:lnRef>
+              <a:fillRef idx="0">
+                <a:schemeClr val="dk1"/>
+              </a:fillRef>
+              <a:effectRef idx="0">
+                <a:schemeClr val="dk1"/>
+              </a:effectRef>
+              <a:fontRef idx="minor">
+                <a:schemeClr val="tx1"/>
+              </a:fontRef>
+            </p:style>
+          </p:cxnSp>
+          <p:cxnSp>
+            <p:nvCxnSpPr>
+              <p:cNvPr id="109" name="Connecteur droit 108">
+                <a:extLst>
+                  <a:ext uri="{FF2B5EF4-FFF2-40B4-BE49-F238E27FC236}">
+                    <a16:creationId xmlns:a16="http://schemas.microsoft.com/office/drawing/2014/main" id="{ED5053C5-9328-10AF-F9FE-7D544245D61B}"/>
+                  </a:ext>
+                </a:extLst>
+              </p:cNvPr>
+              <p:cNvCxnSpPr>
+                <a:cxnSpLocks/>
+              </p:cNvCxnSpPr>
+              <p:nvPr/>
+            </p:nvCxnSpPr>
+            <p:spPr>
+              <a:xfrm flipH="1">
+                <a:off x="4033347" y="2538793"/>
+                <a:ext cx="222308" cy="76174"/>
+              </a:xfrm>
+              <a:prstGeom prst="line">
+                <a:avLst/>
+              </a:prstGeom>
+              <a:ln w="19050">
+                <a:solidFill>
+                  <a:schemeClr val="tx1"/>
+                </a:solidFill>
+              </a:ln>
+            </p:spPr>
+            <p:style>
+              <a:lnRef idx="1">
+                <a:schemeClr val="dk1"/>
+              </a:lnRef>
+              <a:fillRef idx="0">
+                <a:schemeClr val="dk1"/>
+              </a:fillRef>
+              <a:effectRef idx="0">
+                <a:schemeClr val="dk1"/>
+              </a:effectRef>
+              <a:fontRef idx="minor">
+                <a:schemeClr val="tx1"/>
+              </a:fontRef>
+            </p:style>
+          </p:cxnSp>
+          <p:cxnSp>
+            <p:nvCxnSpPr>
+              <p:cNvPr id="110" name="Connecteur droit 109">
+                <a:extLst>
+                  <a:ext uri="{FF2B5EF4-FFF2-40B4-BE49-F238E27FC236}">
+                    <a16:creationId xmlns:a16="http://schemas.microsoft.com/office/drawing/2014/main" id="{8B78E1F4-DCD5-8CF9-A657-57ABF7643D0C}"/>
+                  </a:ext>
+                </a:extLst>
+              </p:cNvPr>
+              <p:cNvCxnSpPr>
+                <a:cxnSpLocks/>
+              </p:cNvCxnSpPr>
+              <p:nvPr/>
+            </p:nvCxnSpPr>
+            <p:spPr>
+              <a:xfrm flipH="1" flipV="1">
+                <a:off x="4033347" y="2614291"/>
+                <a:ext cx="217812" cy="95620"/>
+              </a:xfrm>
+              <a:prstGeom prst="line">
+                <a:avLst/>
+              </a:prstGeom>
+              <a:ln w="19050">
+                <a:solidFill>
+                  <a:schemeClr val="tx1"/>
+                </a:solidFill>
+              </a:ln>
+            </p:spPr>
+            <p:style>
+              <a:lnRef idx="1">
+                <a:schemeClr val="dk1"/>
+              </a:lnRef>
+              <a:fillRef idx="0">
+                <a:schemeClr val="dk1"/>
+              </a:fillRef>
+              <a:effectRef idx="0">
+                <a:schemeClr val="dk1"/>
+              </a:effectRef>
+              <a:fontRef idx="minor">
+                <a:schemeClr val="tx1"/>
+              </a:fontRef>
+            </p:style>
+          </p:cxnSp>
+          <p:cxnSp>
+            <p:nvCxnSpPr>
+              <p:cNvPr id="111" name="Connecteur droit 110">
+                <a:extLst>
+                  <a:ext uri="{FF2B5EF4-FFF2-40B4-BE49-F238E27FC236}">
+                    <a16:creationId xmlns:a16="http://schemas.microsoft.com/office/drawing/2014/main" id="{36CA767C-596B-D8B8-7D24-BCF9BBCD7855}"/>
+                  </a:ext>
+                </a:extLst>
+              </p:cNvPr>
+              <p:cNvCxnSpPr>
+                <a:cxnSpLocks/>
+              </p:cNvCxnSpPr>
+              <p:nvPr/>
+            </p:nvCxnSpPr>
+            <p:spPr>
+              <a:xfrm flipH="1">
+                <a:off x="4028435" y="2713629"/>
+                <a:ext cx="222308" cy="76174"/>
+              </a:xfrm>
+              <a:prstGeom prst="line">
+                <a:avLst/>
+              </a:prstGeom>
+              <a:ln w="19050">
+                <a:solidFill>
+                  <a:schemeClr val="tx1"/>
+                </a:solidFill>
+              </a:ln>
+            </p:spPr>
+            <p:style>
+              <a:lnRef idx="1">
+                <a:schemeClr val="dk1"/>
+              </a:lnRef>
+              <a:fillRef idx="0">
+                <a:schemeClr val="dk1"/>
+              </a:fillRef>
+              <a:effectRef idx="0">
+                <a:schemeClr val="dk1"/>
+              </a:effectRef>
+              <a:fontRef idx="minor">
+                <a:schemeClr val="tx1"/>
+              </a:fontRef>
+            </p:style>
+          </p:cxnSp>
+          <p:cxnSp>
+            <p:nvCxnSpPr>
+              <p:cNvPr id="112" name="Connecteur droit 111">
+                <a:extLst>
+                  <a:ext uri="{FF2B5EF4-FFF2-40B4-BE49-F238E27FC236}">
+                    <a16:creationId xmlns:a16="http://schemas.microsoft.com/office/drawing/2014/main" id="{35687B7D-CD2C-C750-A6AC-17C7457A902E}"/>
+                  </a:ext>
+                </a:extLst>
+              </p:cNvPr>
+              <p:cNvCxnSpPr>
+                <a:cxnSpLocks/>
+              </p:cNvCxnSpPr>
+              <p:nvPr/>
+            </p:nvCxnSpPr>
+            <p:spPr>
+              <a:xfrm flipH="1" flipV="1">
+                <a:off x="4028435" y="2789127"/>
+                <a:ext cx="217812" cy="95620"/>
+              </a:xfrm>
+              <a:prstGeom prst="line">
+                <a:avLst/>
+              </a:prstGeom>
+              <a:ln w="19050">
+                <a:solidFill>
+                  <a:schemeClr val="tx1"/>
+                </a:solidFill>
+              </a:ln>
+            </p:spPr>
+            <p:style>
+              <a:lnRef idx="1">
+                <a:schemeClr val="dk1"/>
+              </a:lnRef>
+              <a:fillRef idx="0">
+                <a:schemeClr val="dk1"/>
+              </a:fillRef>
+              <a:effectRef idx="0">
+                <a:schemeClr val="dk1"/>
+              </a:effectRef>
+              <a:fontRef idx="minor">
+                <a:schemeClr val="tx1"/>
+              </a:fontRef>
+            </p:style>
+          </p:cxnSp>
+          <p:cxnSp>
+            <p:nvCxnSpPr>
+              <p:cNvPr id="113" name="Connecteur droit 112">
+                <a:extLst>
+                  <a:ext uri="{FF2B5EF4-FFF2-40B4-BE49-F238E27FC236}">
+                    <a16:creationId xmlns:a16="http://schemas.microsoft.com/office/drawing/2014/main" id="{21538D0C-28E6-49C3-615E-552F3733AB72}"/>
+                  </a:ext>
+                </a:extLst>
+              </p:cNvPr>
+              <p:cNvCxnSpPr>
+                <a:cxnSpLocks/>
+              </p:cNvCxnSpPr>
+              <p:nvPr/>
+            </p:nvCxnSpPr>
+            <p:spPr>
+              <a:xfrm flipH="1">
+                <a:off x="4023939" y="2881281"/>
+                <a:ext cx="222308" cy="76174"/>
+              </a:xfrm>
+              <a:prstGeom prst="line">
+                <a:avLst/>
+              </a:prstGeom>
+              <a:ln w="19050">
+                <a:solidFill>
+                  <a:schemeClr val="tx1"/>
+                </a:solidFill>
+              </a:ln>
+            </p:spPr>
+            <p:style>
+              <a:lnRef idx="1">
+                <a:schemeClr val="dk1"/>
+              </a:lnRef>
+              <a:fillRef idx="0">
+                <a:schemeClr val="dk1"/>
+              </a:fillRef>
+              <a:effectRef idx="0">
+                <a:schemeClr val="dk1"/>
+              </a:effectRef>
+              <a:fontRef idx="minor">
+                <a:schemeClr val="tx1"/>
+              </a:fontRef>
+            </p:style>
+          </p:cxnSp>
+          <p:cxnSp>
+            <p:nvCxnSpPr>
+              <p:cNvPr id="114" name="Connecteur droit 113">
+                <a:extLst>
+                  <a:ext uri="{FF2B5EF4-FFF2-40B4-BE49-F238E27FC236}">
+                    <a16:creationId xmlns:a16="http://schemas.microsoft.com/office/drawing/2014/main" id="{BCC3EAB9-5DDE-3162-8C03-F160A2BA51F1}"/>
+                  </a:ext>
+                </a:extLst>
+              </p:cNvPr>
+              <p:cNvCxnSpPr>
+                <a:cxnSpLocks/>
+              </p:cNvCxnSpPr>
+              <p:nvPr/>
+            </p:nvCxnSpPr>
+            <p:spPr>
+              <a:xfrm flipH="1" flipV="1">
+                <a:off x="4023939" y="2956779"/>
+                <a:ext cx="125589" cy="51276"/>
+              </a:xfrm>
+              <a:prstGeom prst="line">
+                <a:avLst/>
+              </a:prstGeom>
+              <a:ln w="19050">
+                <a:solidFill>
+                  <a:schemeClr val="tx1"/>
+                </a:solidFill>
+              </a:ln>
+            </p:spPr>
+            <p:style>
+              <a:lnRef idx="1">
+                <a:schemeClr val="dk1"/>
+              </a:lnRef>
+              <a:fillRef idx="0">
+                <a:schemeClr val="dk1"/>
+              </a:fillRef>
+              <a:effectRef idx="0">
+                <a:schemeClr val="dk1"/>
+              </a:effectRef>
+              <a:fontRef idx="minor">
+                <a:schemeClr val="tx1"/>
+              </a:fontRef>
+            </p:style>
+          </p:cxnSp>
+        </p:grpSp>
+        <p:cxnSp>
+          <p:nvCxnSpPr>
+            <p:cNvPr id="95" name="Connecteur droit 94">
+              <a:extLst>
+                <a:ext uri="{FF2B5EF4-FFF2-40B4-BE49-F238E27FC236}">
+                  <a16:creationId xmlns:a16="http://schemas.microsoft.com/office/drawing/2014/main" id="{B42DB49C-C216-9BCA-D3FE-E8124F640B1B}"/>
+                </a:ext>
+              </a:extLst>
+            </p:cNvPr>
+            <p:cNvCxnSpPr>
+              <a:cxnSpLocks/>
+            </p:cNvCxnSpPr>
+            <p:nvPr/>
+          </p:nvCxnSpPr>
+          <p:spPr>
+            <a:xfrm flipV="1">
+              <a:off x="4320330" y="1966042"/>
+              <a:ext cx="816820" cy="5628"/>
+            </a:xfrm>
+            <a:prstGeom prst="line">
+              <a:avLst/>
+            </a:prstGeom>
+            <a:ln w="19050">
+              <a:solidFill>
+                <a:schemeClr val="tx1"/>
+              </a:solidFill>
+            </a:ln>
+          </p:spPr>
+          <p:style>
+            <a:lnRef idx="1">
+              <a:schemeClr val="dk1"/>
+            </a:lnRef>
+            <a:fillRef idx="0">
+              <a:schemeClr val="dk1"/>
+            </a:fillRef>
+            <a:effectRef idx="0">
+              <a:schemeClr val="dk1"/>
+            </a:effectRef>
+            <a:fontRef idx="minor">
+              <a:schemeClr val="tx1"/>
+            </a:fontRef>
+          </p:style>
+        </p:cxnSp>
+        <p:sp>
+          <p:nvSpPr>
+            <p:cNvPr id="96" name="Triangle isocèle 95">
+              <a:extLst>
+                <a:ext uri="{FF2B5EF4-FFF2-40B4-BE49-F238E27FC236}">
+                  <a16:creationId xmlns:a16="http://schemas.microsoft.com/office/drawing/2014/main" id="{9D70E979-BF5B-A8CC-4373-C3438285D767}"/>
+                </a:ext>
+              </a:extLst>
+            </p:cNvPr>
+            <p:cNvSpPr/>
+            <p:nvPr/>
+          </p:nvSpPr>
+          <p:spPr>
+            <a:xfrm rot="5400000">
+              <a:off x="4964961" y="1936954"/>
+              <a:ext cx="63036" cy="58177"/>
+            </a:xfrm>
+            <a:prstGeom prst="triangle">
+              <a:avLst/>
+            </a:prstGeom>
+            <a:solidFill>
+              <a:schemeClr val="tx1"/>
+            </a:solidFill>
+            <a:ln>
+              <a:solidFill>
+                <a:schemeClr val="tx1"/>
+              </a:solidFill>
+            </a:ln>
+          </p:spPr>
+          <p:style>
+            <a:lnRef idx="2">
+              <a:schemeClr val="accent1">
+                <a:shade val="50000"/>
+              </a:schemeClr>
+            </a:lnRef>
+            <a:fillRef idx="1">
+              <a:schemeClr val="accent1"/>
+            </a:fillRef>
+            <a:effectRef idx="0">
+              <a:schemeClr val="accent1"/>
+            </a:effectRef>
+            <a:fontRef idx="minor">
+              <a:schemeClr val="lt1"/>
+            </a:fontRef>
+          </p:style>
+          <p:txBody>
+            <a:bodyPr rtlCol="0" anchor="ctr"/>
+            <a:lstStyle/>
+            <a:p>
+              <a:pPr algn="ctr"/>
+              <a:endParaRPr lang="fr-FR" dirty="0"/>
+            </a:p>
+          </p:txBody>
+        </p:sp>
+        <p:sp>
+          <p:nvSpPr>
+            <p:cNvPr id="97" name="Triangle isocèle 96">
+              <a:extLst>
+                <a:ext uri="{FF2B5EF4-FFF2-40B4-BE49-F238E27FC236}">
+                  <a16:creationId xmlns:a16="http://schemas.microsoft.com/office/drawing/2014/main" id="{497E925E-3AAE-557F-D68D-6675BBE37627}"/>
+                </a:ext>
+              </a:extLst>
+            </p:cNvPr>
+            <p:cNvSpPr/>
+            <p:nvPr/>
+          </p:nvSpPr>
+          <p:spPr>
+            <a:xfrm>
+              <a:off x="1768607" y="2644473"/>
+              <a:ext cx="63036" cy="58177"/>
+            </a:xfrm>
+            <a:prstGeom prst="triangle">
+              <a:avLst/>
+            </a:prstGeom>
+            <a:solidFill>
+              <a:schemeClr val="tx1"/>
+            </a:solidFill>
+            <a:ln>
+              <a:solidFill>
+                <a:schemeClr val="tx1"/>
+              </a:solidFill>
+            </a:ln>
+          </p:spPr>
+          <p:style>
+            <a:lnRef idx="2">
+              <a:schemeClr val="accent1">
+                <a:shade val="50000"/>
+              </a:schemeClr>
+            </a:lnRef>
+            <a:fillRef idx="1">
+              <a:schemeClr val="accent1"/>
+            </a:fillRef>
+            <a:effectRef idx="0">
+              <a:schemeClr val="accent1"/>
+            </a:effectRef>
+            <a:fontRef idx="minor">
+              <a:schemeClr val="lt1"/>
+            </a:fontRef>
+          </p:style>
+          <p:txBody>
+            <a:bodyPr rtlCol="0" anchor="ctr"/>
+            <a:lstStyle/>
+            <a:p>
+              <a:pPr algn="ctr"/>
+              <a:endParaRPr lang="fr-FR" dirty="0"/>
+            </a:p>
+          </p:txBody>
+        </p:sp>
+        <p:cxnSp>
+          <p:nvCxnSpPr>
+            <p:cNvPr id="98" name="Connecteur droit 97">
+              <a:extLst>
+                <a:ext uri="{FF2B5EF4-FFF2-40B4-BE49-F238E27FC236}">
+                  <a16:creationId xmlns:a16="http://schemas.microsoft.com/office/drawing/2014/main" id="{79DF7363-D58E-7002-D841-E08640EFBC37}"/>
+                </a:ext>
+              </a:extLst>
+            </p:cNvPr>
+            <p:cNvCxnSpPr>
+              <a:cxnSpLocks/>
+            </p:cNvCxnSpPr>
+            <p:nvPr/>
+          </p:nvCxnSpPr>
+          <p:spPr>
+            <a:xfrm flipV="1">
+              <a:off x="1799336" y="2702650"/>
+              <a:ext cx="0" cy="154364"/>
+            </a:xfrm>
+            <a:prstGeom prst="line">
+              <a:avLst/>
+            </a:prstGeom>
+            <a:ln w="19050">
+              <a:solidFill>
+                <a:schemeClr val="tx1"/>
+              </a:solidFill>
+            </a:ln>
+          </p:spPr>
+          <p:style>
+            <a:lnRef idx="1">
+              <a:schemeClr val="accent1"/>
+            </a:lnRef>
+            <a:fillRef idx="0">
+              <a:schemeClr val="accent1"/>
+            </a:fillRef>
+            <a:effectRef idx="0">
+              <a:schemeClr val="accent1"/>
+            </a:effectRef>
+            <a:fontRef idx="minor">
+              <a:schemeClr val="tx1"/>
+            </a:fontRef>
+          </p:style>
+        </p:cxnSp>
+        <p:sp>
+          <p:nvSpPr>
+            <p:cNvPr id="99" name="ZoneTexte 98">
+              <a:extLst>
+                <a:ext uri="{FF2B5EF4-FFF2-40B4-BE49-F238E27FC236}">
+                  <a16:creationId xmlns:a16="http://schemas.microsoft.com/office/drawing/2014/main" id="{8C66B5AF-9620-7AB6-14CD-99952AD81AC4}"/>
+                </a:ext>
+              </a:extLst>
+            </p:cNvPr>
+            <p:cNvSpPr txBox="1"/>
+            <p:nvPr/>
+          </p:nvSpPr>
+          <p:spPr>
+            <a:xfrm>
+              <a:off x="1174750" y="2400300"/>
+              <a:ext cx="360168" cy="369332"/>
+            </a:xfrm>
+            <a:prstGeom prst="rect">
+              <a:avLst/>
+            </a:prstGeom>
+            <a:noFill/>
+          </p:spPr>
+          <p:txBody>
+            <a:bodyPr wrap="square" rtlCol="0">
+              <a:spAutoFit/>
+            </a:bodyPr>
+            <a:lstStyle/>
+            <a:p>
+              <a:r>
+                <a:rPr lang="fr-FR" b="1" dirty="0"/>
+                <a:t>I</a:t>
+              </a:r>
+              <a:r>
+                <a:rPr lang="fr-FR" b="1" baseline="-25000" dirty="0"/>
+                <a:t>L</a:t>
+              </a:r>
+            </a:p>
+          </p:txBody>
+        </p:sp>
+        <p:sp>
+          <p:nvSpPr>
+            <p:cNvPr id="100" name="ZoneTexte 99">
+              <a:extLst>
+                <a:ext uri="{FF2B5EF4-FFF2-40B4-BE49-F238E27FC236}">
+                  <a16:creationId xmlns:a16="http://schemas.microsoft.com/office/drawing/2014/main" id="{B6097971-40BC-7804-7C34-7BBAD8275963}"/>
+                </a:ext>
+              </a:extLst>
+            </p:cNvPr>
+            <p:cNvSpPr txBox="1"/>
+            <p:nvPr/>
+          </p:nvSpPr>
+          <p:spPr>
+            <a:xfrm>
+              <a:off x="2422227" y="1996256"/>
+              <a:ext cx="360168" cy="369332"/>
+            </a:xfrm>
+            <a:prstGeom prst="rect">
+              <a:avLst/>
+            </a:prstGeom>
+            <a:noFill/>
+          </p:spPr>
+          <p:txBody>
+            <a:bodyPr wrap="square" rtlCol="0">
+              <a:spAutoFit/>
+            </a:bodyPr>
+            <a:lstStyle/>
+            <a:p>
+              <a:r>
+                <a:rPr lang="fr-FR" b="1" dirty="0"/>
+                <a:t>I</a:t>
+              </a:r>
+              <a:r>
+                <a:rPr lang="fr-FR" b="1" baseline="-25000" dirty="0"/>
+                <a:t>D</a:t>
+              </a:r>
+            </a:p>
+          </p:txBody>
+        </p:sp>
+        <p:sp>
+          <p:nvSpPr>
+            <p:cNvPr id="101" name="ZoneTexte 100">
+              <a:extLst>
+                <a:ext uri="{FF2B5EF4-FFF2-40B4-BE49-F238E27FC236}">
+                  <a16:creationId xmlns:a16="http://schemas.microsoft.com/office/drawing/2014/main" id="{0E59787A-D5F8-7174-7512-F8ACEB2B4799}"/>
+                </a:ext>
+              </a:extLst>
+            </p:cNvPr>
+            <p:cNvSpPr txBox="1"/>
+            <p:nvPr/>
+          </p:nvSpPr>
+          <p:spPr>
+            <a:xfrm>
+              <a:off x="4841398" y="1591221"/>
+              <a:ext cx="360168" cy="369332"/>
+            </a:xfrm>
+            <a:prstGeom prst="rect">
+              <a:avLst/>
+            </a:prstGeom>
+            <a:noFill/>
+          </p:spPr>
+          <p:txBody>
+            <a:bodyPr wrap="square" rtlCol="0">
+              <a:spAutoFit/>
+            </a:bodyPr>
+            <a:lstStyle/>
+            <a:p>
+              <a:r>
+                <a:rPr lang="fr-FR" b="1" dirty="0"/>
+                <a:t>I</a:t>
+              </a:r>
+              <a:endParaRPr lang="fr-FR" b="1" baseline="-25000" dirty="0"/>
+            </a:p>
+          </p:txBody>
+        </p:sp>
+        <p:sp>
+          <p:nvSpPr>
+            <p:cNvPr id="102" name="ZoneTexte 101">
+              <a:extLst>
+                <a:ext uri="{FF2B5EF4-FFF2-40B4-BE49-F238E27FC236}">
+                  <a16:creationId xmlns:a16="http://schemas.microsoft.com/office/drawing/2014/main" id="{0C0062AF-5657-A6E4-BF53-9B8588695370}"/>
+                </a:ext>
+              </a:extLst>
+            </p:cNvPr>
+            <p:cNvSpPr txBox="1"/>
+            <p:nvPr/>
+          </p:nvSpPr>
+          <p:spPr>
+            <a:xfrm>
+              <a:off x="4816395" y="2559191"/>
+              <a:ext cx="360168" cy="369332"/>
+            </a:xfrm>
+            <a:prstGeom prst="rect">
+              <a:avLst/>
+            </a:prstGeom>
+            <a:noFill/>
+          </p:spPr>
+          <p:txBody>
+            <a:bodyPr wrap="square" rtlCol="0">
+              <a:spAutoFit/>
+            </a:bodyPr>
+            <a:lstStyle/>
+            <a:p>
+              <a:r>
+                <a:rPr lang="fr-FR" b="1" dirty="0"/>
+                <a:t>V</a:t>
+              </a:r>
+              <a:endParaRPr lang="fr-FR" b="1" baseline="-25000" dirty="0"/>
+            </a:p>
+          </p:txBody>
+        </p:sp>
+        <p:sp>
+          <p:nvSpPr>
+            <p:cNvPr id="103" name="ZoneTexte 102">
+              <a:extLst>
+                <a:ext uri="{FF2B5EF4-FFF2-40B4-BE49-F238E27FC236}">
+                  <a16:creationId xmlns:a16="http://schemas.microsoft.com/office/drawing/2014/main" id="{951602C6-5BC4-0C93-FCB7-AAC0BC7192C4}"/>
+                </a:ext>
+              </a:extLst>
+            </p:cNvPr>
+            <p:cNvSpPr txBox="1"/>
+            <p:nvPr/>
+          </p:nvSpPr>
+          <p:spPr>
+            <a:xfrm>
+              <a:off x="4852275" y="2003621"/>
+              <a:ext cx="360168" cy="369332"/>
+            </a:xfrm>
+            <a:prstGeom prst="rect">
+              <a:avLst/>
+            </a:prstGeom>
+            <a:noFill/>
+          </p:spPr>
+          <p:txBody>
+            <a:bodyPr wrap="square" rtlCol="0">
+              <a:spAutoFit/>
+            </a:bodyPr>
+            <a:lstStyle/>
+            <a:p>
+              <a:r>
+                <a:rPr lang="fr-FR" b="1" dirty="0"/>
+                <a:t>+</a:t>
+              </a:r>
+              <a:endParaRPr lang="fr-FR" b="1" baseline="-25000" dirty="0"/>
+            </a:p>
+          </p:txBody>
+        </p:sp>
+        <p:sp>
+          <p:nvSpPr>
+            <p:cNvPr id="104" name="ZoneTexte 103">
+              <a:extLst>
+                <a:ext uri="{FF2B5EF4-FFF2-40B4-BE49-F238E27FC236}">
+                  <a16:creationId xmlns:a16="http://schemas.microsoft.com/office/drawing/2014/main" id="{8B6F38B5-4DCA-539B-8C06-D00F6D8B84DC}"/>
+                </a:ext>
+              </a:extLst>
+            </p:cNvPr>
+            <p:cNvSpPr txBox="1"/>
+            <p:nvPr/>
+          </p:nvSpPr>
+          <p:spPr>
+            <a:xfrm>
+              <a:off x="4852275" y="3347206"/>
+              <a:ext cx="360168" cy="369332"/>
+            </a:xfrm>
+            <a:prstGeom prst="rect">
+              <a:avLst/>
+            </a:prstGeom>
+            <a:noFill/>
+          </p:spPr>
+          <p:txBody>
+            <a:bodyPr wrap="square" rtlCol="0">
+              <a:spAutoFit/>
+            </a:bodyPr>
+            <a:lstStyle/>
+            <a:p>
+              <a:r>
+                <a:rPr lang="fr-FR" b="1" dirty="0"/>
+                <a:t>-</a:t>
+              </a:r>
+              <a:endParaRPr lang="fr-FR" b="1" baseline="-25000" dirty="0"/>
+            </a:p>
+          </p:txBody>
+        </p:sp>
+        <p:sp>
+          <p:nvSpPr>
+            <p:cNvPr id="105" name="Ellipse 104">
+              <a:extLst>
+                <a:ext uri="{FF2B5EF4-FFF2-40B4-BE49-F238E27FC236}">
+                  <a16:creationId xmlns:a16="http://schemas.microsoft.com/office/drawing/2014/main" id="{BD67CE6D-7C75-0B26-D57F-6166E9E0D17C}"/>
+                </a:ext>
+              </a:extLst>
+            </p:cNvPr>
+            <p:cNvSpPr/>
+            <p:nvPr/>
+          </p:nvSpPr>
+          <p:spPr>
+            <a:xfrm>
+              <a:off x="5129078" y="1941780"/>
+              <a:ext cx="45719" cy="45719"/>
+            </a:xfrm>
+            <a:prstGeom prst="ellipse">
+              <a:avLst/>
+            </a:prstGeom>
+            <a:solidFill>
+              <a:schemeClr val="bg1"/>
+            </a:solidFill>
+            <a:ln>
+              <a:solidFill>
+                <a:schemeClr val="tx1"/>
+              </a:solidFill>
+            </a:ln>
+          </p:spPr>
+          <p:style>
+            <a:lnRef idx="2">
+              <a:schemeClr val="accent1">
+                <a:shade val="50000"/>
+              </a:schemeClr>
+            </a:lnRef>
+            <a:fillRef idx="1">
+              <a:schemeClr val="accent1"/>
+            </a:fillRef>
+            <a:effectRef idx="0">
+              <a:schemeClr val="accent1"/>
+            </a:effectRef>
+            <a:fontRef idx="minor">
+              <a:schemeClr val="lt1"/>
+            </a:fontRef>
+          </p:style>
+          <p:txBody>
+            <a:bodyPr rtlCol="0" anchor="ctr"/>
+            <a:lstStyle/>
+            <a:p>
+              <a:pPr algn="ctr"/>
+              <a:endParaRPr lang="fr-FR"/>
+            </a:p>
+          </p:txBody>
+        </p:sp>
+        <p:sp>
+          <p:nvSpPr>
+            <p:cNvPr id="106" name="Ellipse 105">
+              <a:extLst>
+                <a:ext uri="{FF2B5EF4-FFF2-40B4-BE49-F238E27FC236}">
+                  <a16:creationId xmlns:a16="http://schemas.microsoft.com/office/drawing/2014/main" id="{1D6F87A6-F4FB-1B71-F491-8DECA5B47F91}"/>
+                </a:ext>
+              </a:extLst>
+            </p:cNvPr>
+            <p:cNvSpPr/>
+            <p:nvPr/>
+          </p:nvSpPr>
+          <p:spPr>
+            <a:xfrm>
+              <a:off x="5125584" y="3701121"/>
+              <a:ext cx="45719" cy="45719"/>
+            </a:xfrm>
+            <a:prstGeom prst="ellipse">
+              <a:avLst/>
+            </a:prstGeom>
+            <a:solidFill>
+              <a:schemeClr val="bg1"/>
+            </a:solidFill>
+            <a:ln>
+              <a:solidFill>
+                <a:schemeClr val="tx1"/>
+              </a:solidFill>
+            </a:ln>
+          </p:spPr>
+          <p:style>
+            <a:lnRef idx="2">
+              <a:schemeClr val="accent1">
+                <a:shade val="50000"/>
+              </a:schemeClr>
+            </a:lnRef>
+            <a:fillRef idx="1">
+              <a:schemeClr val="accent1"/>
+            </a:fillRef>
+            <a:effectRef idx="0">
+              <a:schemeClr val="accent1"/>
+            </a:effectRef>
+            <a:fontRef idx="minor">
+              <a:schemeClr val="lt1"/>
+            </a:fontRef>
+          </p:style>
+          <p:txBody>
+            <a:bodyPr rtlCol="0" anchor="ctr"/>
+            <a:lstStyle/>
+            <a:p>
+              <a:pPr algn="ctr"/>
+              <a:endParaRPr lang="fr-FR"/>
+            </a:p>
+          </p:txBody>
+        </p:sp>
+        <p:sp>
+          <p:nvSpPr>
+            <p:cNvPr id="107" name="ZoneTexte 106">
+              <a:extLst>
+                <a:ext uri="{FF2B5EF4-FFF2-40B4-BE49-F238E27FC236}">
+                  <a16:creationId xmlns:a16="http://schemas.microsoft.com/office/drawing/2014/main" id="{9ED92EC6-987D-C7FC-D69F-51242FF6F7BE}"/>
+                </a:ext>
+              </a:extLst>
+            </p:cNvPr>
+            <p:cNvSpPr txBox="1"/>
+            <p:nvPr/>
+          </p:nvSpPr>
+          <p:spPr>
+            <a:xfrm>
+              <a:off x="3881705" y="2065905"/>
+              <a:ext cx="615135" cy="369332"/>
+            </a:xfrm>
+            <a:prstGeom prst="rect">
+              <a:avLst/>
+            </a:prstGeom>
+            <a:noFill/>
+          </p:spPr>
+          <p:txBody>
+            <a:bodyPr wrap="square" rtlCol="0">
+              <a:spAutoFit/>
+            </a:bodyPr>
+            <a:lstStyle/>
+            <a:p>
+              <a:r>
+                <a:rPr lang="fr-FR" b="1" dirty="0"/>
+                <a:t>R</a:t>
+              </a:r>
+              <a:r>
+                <a:rPr lang="fr-FR" b="1" baseline="-25000" dirty="0"/>
+                <a:t>s</a:t>
+              </a:r>
+            </a:p>
+          </p:txBody>
+        </p:sp>
+      </p:grpSp>
+      <p:cxnSp>
+        <p:nvCxnSpPr>
+          <p:cNvPr id="117" name="Connecteur droit 116">
+            <a:extLst>
+              <a:ext uri="{FF2B5EF4-FFF2-40B4-BE49-F238E27FC236}">
+                <a16:creationId xmlns:a16="http://schemas.microsoft.com/office/drawing/2014/main" id="{54FEFC5E-DCD2-84F0-F40C-7E35C67A1E54}"/>
+              </a:ext>
+            </a:extLst>
+          </p:cNvPr>
+          <p:cNvCxnSpPr>
+            <a:cxnSpLocks/>
+          </p:cNvCxnSpPr>
+          <p:nvPr/>
+        </p:nvCxnSpPr>
+        <p:spPr>
+          <a:xfrm>
+            <a:off x="6018692" y="1503029"/>
+            <a:ext cx="0" cy="634515"/>
+          </a:xfrm>
+          <a:prstGeom prst="line">
+            <a:avLst/>
+          </a:prstGeom>
+          <a:ln w="19050">
+            <a:solidFill>
+              <a:schemeClr val="tx1"/>
+            </a:solidFill>
+          </a:ln>
+        </p:spPr>
+        <p:style>
+          <a:lnRef idx="1">
+            <a:schemeClr val="dk1"/>
+          </a:lnRef>
+          <a:fillRef idx="0">
+            <a:schemeClr val="dk1"/>
+          </a:fillRef>
+          <a:effectRef idx="0">
+            <a:schemeClr val="dk1"/>
+          </a:effectRef>
+          <a:fontRef idx="minor">
+            <a:schemeClr val="tx1"/>
+          </a:fontRef>
+        </p:style>
+      </p:cxnSp>
+      <p:cxnSp>
+        <p:nvCxnSpPr>
+          <p:cNvPr id="118" name="Connecteur droit 117">
+            <a:extLst>
+              <a:ext uri="{FF2B5EF4-FFF2-40B4-BE49-F238E27FC236}">
+                <a16:creationId xmlns:a16="http://schemas.microsoft.com/office/drawing/2014/main" id="{A76DAB82-B013-F5EB-5185-CC12887DB5B1}"/>
+              </a:ext>
+            </a:extLst>
+          </p:cNvPr>
+          <p:cNvCxnSpPr>
+            <a:cxnSpLocks/>
+          </p:cNvCxnSpPr>
+          <p:nvPr/>
+        </p:nvCxnSpPr>
+        <p:spPr>
+          <a:xfrm>
+            <a:off x="6013665" y="383579"/>
+            <a:ext cx="5027" cy="578839"/>
+          </a:xfrm>
+          <a:prstGeom prst="line">
+            <a:avLst/>
+          </a:prstGeom>
+          <a:ln w="19050">
+            <a:solidFill>
+              <a:schemeClr val="tx1"/>
+            </a:solidFill>
+          </a:ln>
+        </p:spPr>
+        <p:style>
+          <a:lnRef idx="1">
+            <a:schemeClr val="dk1"/>
+          </a:lnRef>
+          <a:fillRef idx="0">
+            <a:schemeClr val="dk1"/>
+          </a:fillRef>
+          <a:effectRef idx="0">
+            <a:schemeClr val="dk1"/>
+          </a:effectRef>
+          <a:fontRef idx="minor">
+            <a:schemeClr val="tx1"/>
+          </a:fontRef>
+        </p:style>
+      </p:cxnSp>
+      <p:cxnSp>
+        <p:nvCxnSpPr>
+          <p:cNvPr id="119" name="Connecteur droit 118">
+            <a:extLst>
+              <a:ext uri="{FF2B5EF4-FFF2-40B4-BE49-F238E27FC236}">
+                <a16:creationId xmlns:a16="http://schemas.microsoft.com/office/drawing/2014/main" id="{96670CA6-426C-22C6-69F2-75D23B4D3F98}"/>
+              </a:ext>
+            </a:extLst>
+          </p:cNvPr>
+          <p:cNvCxnSpPr>
+            <a:cxnSpLocks/>
+          </p:cNvCxnSpPr>
+          <p:nvPr/>
+        </p:nvCxnSpPr>
+        <p:spPr>
+          <a:xfrm>
+            <a:off x="6011417" y="956489"/>
+            <a:ext cx="108906" cy="81428"/>
+          </a:xfrm>
+          <a:prstGeom prst="line">
+            <a:avLst/>
+          </a:prstGeom>
+          <a:ln w="19050">
+            <a:solidFill>
+              <a:schemeClr val="tx1"/>
+            </a:solidFill>
+          </a:ln>
+        </p:spPr>
+        <p:style>
+          <a:lnRef idx="1">
+            <a:schemeClr val="dk1"/>
+          </a:lnRef>
+          <a:fillRef idx="0">
+            <a:schemeClr val="dk1"/>
+          </a:fillRef>
+          <a:effectRef idx="0">
+            <a:schemeClr val="dk1"/>
+          </a:effectRef>
+          <a:fontRef idx="minor">
+            <a:schemeClr val="tx1"/>
+          </a:fontRef>
+        </p:style>
+      </p:cxnSp>
+      <p:cxnSp>
+        <p:nvCxnSpPr>
+          <p:cNvPr id="120" name="Connecteur droit 119">
+            <a:extLst>
+              <a:ext uri="{FF2B5EF4-FFF2-40B4-BE49-F238E27FC236}">
+                <a16:creationId xmlns:a16="http://schemas.microsoft.com/office/drawing/2014/main" id="{CF8E8A3A-0FB4-D8A2-655C-D8E0B061F224}"/>
+              </a:ext>
+            </a:extLst>
+          </p:cNvPr>
+          <p:cNvCxnSpPr>
+            <a:cxnSpLocks/>
+          </p:cNvCxnSpPr>
+          <p:nvPr/>
+        </p:nvCxnSpPr>
+        <p:spPr>
+          <a:xfrm flipH="1">
+            <a:off x="5902511" y="1032715"/>
+            <a:ext cx="222308" cy="76174"/>
+          </a:xfrm>
+          <a:prstGeom prst="line">
+            <a:avLst/>
+          </a:prstGeom>
+          <a:ln w="19050">
+            <a:solidFill>
+              <a:schemeClr val="tx1"/>
+            </a:solidFill>
+          </a:ln>
+        </p:spPr>
+        <p:style>
+          <a:lnRef idx="1">
+            <a:schemeClr val="dk1"/>
+          </a:lnRef>
+          <a:fillRef idx="0">
+            <a:schemeClr val="dk1"/>
+          </a:fillRef>
+          <a:effectRef idx="0">
+            <a:schemeClr val="dk1"/>
+          </a:effectRef>
+          <a:fontRef idx="minor">
+            <a:schemeClr val="tx1"/>
+          </a:fontRef>
+        </p:style>
+      </p:cxnSp>
+      <p:cxnSp>
+        <p:nvCxnSpPr>
+          <p:cNvPr id="121" name="Connecteur droit 120">
+            <a:extLst>
+              <a:ext uri="{FF2B5EF4-FFF2-40B4-BE49-F238E27FC236}">
+                <a16:creationId xmlns:a16="http://schemas.microsoft.com/office/drawing/2014/main" id="{7506543A-04A3-D017-30F2-F58BDD40A4A9}"/>
+              </a:ext>
+            </a:extLst>
+          </p:cNvPr>
+          <p:cNvCxnSpPr>
+            <a:cxnSpLocks/>
+          </p:cNvCxnSpPr>
+          <p:nvPr/>
+        </p:nvCxnSpPr>
+        <p:spPr>
+          <a:xfrm flipH="1" flipV="1">
+            <a:off x="5902511" y="1108213"/>
+            <a:ext cx="217812" cy="95620"/>
+          </a:xfrm>
+          <a:prstGeom prst="line">
+            <a:avLst/>
+          </a:prstGeom>
+          <a:ln w="19050">
+            <a:solidFill>
+              <a:schemeClr val="tx1"/>
+            </a:solidFill>
+          </a:ln>
+        </p:spPr>
+        <p:style>
+          <a:lnRef idx="1">
+            <a:schemeClr val="dk1"/>
+          </a:lnRef>
+          <a:fillRef idx="0">
+            <a:schemeClr val="dk1"/>
+          </a:fillRef>
+          <a:effectRef idx="0">
+            <a:schemeClr val="dk1"/>
+          </a:effectRef>
+          <a:fontRef idx="minor">
+            <a:schemeClr val="tx1"/>
+          </a:fontRef>
+        </p:style>
+      </p:cxnSp>
+      <p:cxnSp>
+        <p:nvCxnSpPr>
+          <p:cNvPr id="122" name="Connecteur droit 121">
+            <a:extLst>
+              <a:ext uri="{FF2B5EF4-FFF2-40B4-BE49-F238E27FC236}">
+                <a16:creationId xmlns:a16="http://schemas.microsoft.com/office/drawing/2014/main" id="{188ED027-8F59-D7DA-1109-4430A4033316}"/>
+              </a:ext>
+            </a:extLst>
+          </p:cNvPr>
+          <p:cNvCxnSpPr>
+            <a:cxnSpLocks/>
+          </p:cNvCxnSpPr>
+          <p:nvPr/>
+        </p:nvCxnSpPr>
+        <p:spPr>
+          <a:xfrm flipH="1">
+            <a:off x="5897599" y="1207551"/>
+            <a:ext cx="222308" cy="76174"/>
+          </a:xfrm>
+          <a:prstGeom prst="line">
+            <a:avLst/>
+          </a:prstGeom>
+          <a:ln w="19050">
+            <a:solidFill>
+              <a:schemeClr val="tx1"/>
+            </a:solidFill>
+          </a:ln>
+        </p:spPr>
+        <p:style>
+          <a:lnRef idx="1">
+            <a:schemeClr val="dk1"/>
+          </a:lnRef>
+          <a:fillRef idx="0">
+            <a:schemeClr val="dk1"/>
+          </a:fillRef>
+          <a:effectRef idx="0">
+            <a:schemeClr val="dk1"/>
+          </a:effectRef>
+          <a:fontRef idx="minor">
+            <a:schemeClr val="tx1"/>
+          </a:fontRef>
+        </p:style>
+      </p:cxnSp>
+      <p:cxnSp>
+        <p:nvCxnSpPr>
+          <p:cNvPr id="123" name="Connecteur droit 122">
+            <a:extLst>
+              <a:ext uri="{FF2B5EF4-FFF2-40B4-BE49-F238E27FC236}">
+                <a16:creationId xmlns:a16="http://schemas.microsoft.com/office/drawing/2014/main" id="{67D69E57-7733-EA7B-D189-5B8D3D0BC7F1}"/>
+              </a:ext>
+            </a:extLst>
+          </p:cNvPr>
+          <p:cNvCxnSpPr>
+            <a:cxnSpLocks/>
+          </p:cNvCxnSpPr>
+          <p:nvPr/>
+        </p:nvCxnSpPr>
+        <p:spPr>
+          <a:xfrm flipH="1" flipV="1">
+            <a:off x="5897599" y="1283049"/>
+            <a:ext cx="217812" cy="95620"/>
+          </a:xfrm>
+          <a:prstGeom prst="line">
+            <a:avLst/>
+          </a:prstGeom>
+          <a:ln w="19050">
+            <a:solidFill>
+              <a:schemeClr val="tx1"/>
+            </a:solidFill>
+          </a:ln>
+        </p:spPr>
+        <p:style>
+          <a:lnRef idx="1">
+            <a:schemeClr val="dk1"/>
+          </a:lnRef>
+          <a:fillRef idx="0">
+            <a:schemeClr val="dk1"/>
+          </a:fillRef>
+          <a:effectRef idx="0">
+            <a:schemeClr val="dk1"/>
+          </a:effectRef>
+          <a:fontRef idx="minor">
+            <a:schemeClr val="tx1"/>
+          </a:fontRef>
+        </p:style>
+      </p:cxnSp>
+      <p:cxnSp>
+        <p:nvCxnSpPr>
+          <p:cNvPr id="124" name="Connecteur droit 123">
+            <a:extLst>
+              <a:ext uri="{FF2B5EF4-FFF2-40B4-BE49-F238E27FC236}">
+                <a16:creationId xmlns:a16="http://schemas.microsoft.com/office/drawing/2014/main" id="{732FFCA8-753A-9AD5-4264-FBB6770F1C8E}"/>
+              </a:ext>
+            </a:extLst>
+          </p:cNvPr>
+          <p:cNvCxnSpPr>
+            <a:cxnSpLocks/>
+          </p:cNvCxnSpPr>
+          <p:nvPr/>
+        </p:nvCxnSpPr>
+        <p:spPr>
+          <a:xfrm flipH="1">
+            <a:off x="5893103" y="1375203"/>
+            <a:ext cx="222308" cy="76174"/>
+          </a:xfrm>
+          <a:prstGeom prst="line">
+            <a:avLst/>
+          </a:prstGeom>
+          <a:ln w="19050">
+            <a:solidFill>
+              <a:schemeClr val="tx1"/>
+            </a:solidFill>
+          </a:ln>
+        </p:spPr>
+        <p:style>
+          <a:lnRef idx="1">
+            <a:schemeClr val="dk1"/>
+          </a:lnRef>
+          <a:fillRef idx="0">
+            <a:schemeClr val="dk1"/>
+          </a:fillRef>
+          <a:effectRef idx="0">
+            <a:schemeClr val="dk1"/>
+          </a:effectRef>
+          <a:fontRef idx="minor">
+            <a:schemeClr val="tx1"/>
+          </a:fontRef>
+        </p:style>
+      </p:cxnSp>
+      <p:cxnSp>
+        <p:nvCxnSpPr>
+          <p:cNvPr id="125" name="Connecteur droit 124">
+            <a:extLst>
+              <a:ext uri="{FF2B5EF4-FFF2-40B4-BE49-F238E27FC236}">
+                <a16:creationId xmlns:a16="http://schemas.microsoft.com/office/drawing/2014/main" id="{4DDBB29C-CCD6-6DD6-DE1D-ADD48599B50B}"/>
+              </a:ext>
+            </a:extLst>
+          </p:cNvPr>
+          <p:cNvCxnSpPr>
+            <a:cxnSpLocks/>
+          </p:cNvCxnSpPr>
+          <p:nvPr/>
+        </p:nvCxnSpPr>
+        <p:spPr>
+          <a:xfrm flipH="1" flipV="1">
+            <a:off x="5893103" y="1450701"/>
+            <a:ext cx="125589" cy="51276"/>
+          </a:xfrm>
+          <a:prstGeom prst="line">
+            <a:avLst/>
+          </a:prstGeom>
+          <a:ln w="19050">
+            <a:solidFill>
+              <a:schemeClr val="tx1"/>
+            </a:solidFill>
+          </a:ln>
+        </p:spPr>
+        <p:style>
+          <a:lnRef idx="1">
+            <a:schemeClr val="dk1"/>
+          </a:lnRef>
+          <a:fillRef idx="0">
+            <a:schemeClr val="dk1"/>
+          </a:fillRef>
+          <a:effectRef idx="0">
+            <a:schemeClr val="dk1"/>
+          </a:effectRef>
+          <a:fontRef idx="minor">
+            <a:schemeClr val="tx1"/>
+          </a:fontRef>
+        </p:style>
+      </p:cxnSp>
+      <p:sp>
+        <p:nvSpPr>
+          <p:cNvPr id="126" name="Triangle isocèle 125">
+            <a:extLst>
+              <a:ext uri="{FF2B5EF4-FFF2-40B4-BE49-F238E27FC236}">
+                <a16:creationId xmlns:a16="http://schemas.microsoft.com/office/drawing/2014/main" id="{37B9AD7F-ACDB-C19C-4ADF-635B882D9263}"/>
+              </a:ext>
+            </a:extLst>
+          </p:cNvPr>
+          <p:cNvSpPr/>
+          <p:nvPr/>
+        </p:nvSpPr>
+        <p:spPr>
+          <a:xfrm rot="10800000">
+            <a:off x="5987174" y="665153"/>
+            <a:ext cx="63036" cy="58177"/>
+          </a:xfrm>
+          <a:prstGeom prst="triangle">
+            <a:avLst/>
+          </a:prstGeom>
+          <a:solidFill>
+            <a:schemeClr val="tx1"/>
+          </a:solidFill>
+          <a:ln>
+            <a:solidFill>
+              <a:schemeClr val="tx1"/>
+            </a:solidFill>
+          </a:ln>
+        </p:spPr>
+        <p:style>
+          <a:lnRef idx="2">
+            <a:schemeClr val="accent1">
+              <a:shade val="50000"/>
+            </a:schemeClr>
+          </a:lnRef>
+          <a:fillRef idx="1">
+            <a:schemeClr val="accent1"/>
+          </a:fillRef>
+          <a:effectRef idx="0">
+            <a:schemeClr val="accent1"/>
+          </a:effectRef>
+          <a:fontRef idx="minor">
+            <a:schemeClr val="lt1"/>
+          </a:fontRef>
+        </p:style>
+        <p:txBody>
+          <a:bodyPr rtlCol="0" anchor="ctr"/>
+          <a:lstStyle/>
+          <a:p>
+            <a:pPr algn="ctr"/>
+            <a:endParaRPr lang="fr-FR" dirty="0"/>
+          </a:p>
+        </p:txBody>
+      </p:sp>
+      <p:sp>
+        <p:nvSpPr>
+          <p:cNvPr id="127" name="ZoneTexte 126">
+            <a:extLst>
+              <a:ext uri="{FF2B5EF4-FFF2-40B4-BE49-F238E27FC236}">
+                <a16:creationId xmlns:a16="http://schemas.microsoft.com/office/drawing/2014/main" id="{CBE55CB7-50E7-524D-F9D0-F94AEB5CE4A5}"/>
+              </a:ext>
+            </a:extLst>
+          </p:cNvPr>
+          <p:cNvSpPr txBox="1"/>
+          <p:nvPr/>
+        </p:nvSpPr>
+        <p:spPr>
+          <a:xfrm>
+            <a:off x="5988516" y="415787"/>
+            <a:ext cx="360168" cy="369332"/>
+          </a:xfrm>
+          <a:prstGeom prst="rect">
+            <a:avLst/>
+          </a:prstGeom>
+          <a:noFill/>
+        </p:spPr>
+        <p:txBody>
+          <a:bodyPr wrap="square" rtlCol="0">
+            <a:spAutoFit/>
+          </a:bodyPr>
+          <a:lstStyle/>
+          <a:p>
+            <a:r>
+              <a:rPr lang="fr-FR" b="1" dirty="0"/>
+              <a:t>I</a:t>
+            </a:r>
+            <a:r>
+              <a:rPr lang="fr-FR" b="1" baseline="-25000" dirty="0"/>
+              <a:t>L</a:t>
+            </a:r>
+          </a:p>
+        </p:txBody>
+      </p:sp>
+      <p:sp>
+        <p:nvSpPr>
+          <p:cNvPr id="128" name="ZoneTexte 127">
+            <a:extLst>
+              <a:ext uri="{FF2B5EF4-FFF2-40B4-BE49-F238E27FC236}">
+                <a16:creationId xmlns:a16="http://schemas.microsoft.com/office/drawing/2014/main" id="{A0FD4C03-B258-15C5-BCAE-A69C9722F2E5}"/>
+              </a:ext>
+            </a:extLst>
+          </p:cNvPr>
+          <p:cNvSpPr txBox="1"/>
+          <p:nvPr/>
+        </p:nvSpPr>
+        <p:spPr>
+          <a:xfrm>
+            <a:off x="6326140" y="1005871"/>
+            <a:ext cx="615135" cy="369332"/>
+          </a:xfrm>
+          <a:prstGeom prst="rect">
+            <a:avLst/>
+          </a:prstGeom>
+          <a:noFill/>
+        </p:spPr>
+        <p:txBody>
+          <a:bodyPr wrap="square" rtlCol="0">
+            <a:spAutoFit/>
+          </a:bodyPr>
+          <a:lstStyle/>
+          <a:p>
+            <a:r>
+              <a:rPr lang="fr-FR" b="1" dirty="0"/>
+              <a:t>R</a:t>
+            </a:r>
+            <a:r>
+              <a:rPr lang="fr-FR" b="1" baseline="-25000" dirty="0"/>
+              <a:t>sh</a:t>
+            </a:r>
+          </a:p>
+        </p:txBody>
+      </p:sp>
     </p:spTree>
     <p:extLst>
       <p:ext uri="{BB962C8B-B14F-4D97-AF65-F5344CB8AC3E}">
@@ -28347,6 +28927,26 @@
 </file>
 
 <file path=customXml/item1.xml><?xml version="1.0" encoding="utf-8"?>
+<p:properties xmlns:p="http://schemas.microsoft.com/office/2006/metadata/properties" xmlns:xsi="http://www.w3.org/2001/XMLSchema-instance" xmlns:pc="http://schemas.microsoft.com/office/infopath/2007/PartnerControls">
+  <documentManagement>
+    <lcf76f155ced4ddcb4097134ff3c332f xmlns="4c2def87-6459-45fe-82b8-2c44ad774fe7">
+      <Terms xmlns="http://schemas.microsoft.com/office/infopath/2007/PartnerControls"/>
+    </lcf76f155ced4ddcb4097134ff3c332f>
+    <TaxCatchAll xmlns="284c3d22-818e-4cb3-91ed-c315e7cac822" xsi:nil="true"/>
+  </documentManagement>
+</p:properties>
+</file>
+
+<file path=customXml/item2.xml><?xml version="1.0" encoding="utf-8"?>
+<?mso-contentType ?>
+<FormTemplates xmlns="http://schemas.microsoft.com/sharepoint/v3/contenttype/forms">
+  <Display>DocumentLibraryForm</Display>
+  <Edit>DocumentLibraryForm</Edit>
+  <New>DocumentLibraryForm</New>
+</FormTemplates>
+</file>
+
+<file path=customXml/item3.xml><?xml version="1.0" encoding="utf-8"?>
 <ct:contentTypeSchema xmlns:ct="http://schemas.microsoft.com/office/2006/metadata/contentType" xmlns:ma="http://schemas.microsoft.com/office/2006/metadata/properties/metaAttributes" ct:_="" ma:_="" ma:contentTypeName="Document" ma:contentTypeID="0x01010041F95B9FA815364FBC35CFCC50A6DF2E" ma:contentTypeVersion="14" ma:contentTypeDescription="Create a new document." ma:contentTypeScope="" ma:versionID="79a45fa4d5681b63d051de39515cb8e3">
   <xsd:schema xmlns:xsd="http://www.w3.org/2001/XMLSchema" xmlns:xs="http://www.w3.org/2001/XMLSchema" xmlns:p="http://schemas.microsoft.com/office/2006/metadata/properties" xmlns:ns2="4c2def87-6459-45fe-82b8-2c44ad774fe7" xmlns:ns3="284c3d22-818e-4cb3-91ed-c315e7cac822" targetNamespace="http://schemas.microsoft.com/office/2006/metadata/properties" ma:root="true" ma:fieldsID="8d96ec500039b56ee849b1547a40a351" ns2:_="" ns3:_="">
     <xsd:import namespace="4c2def87-6459-45fe-82b8-2c44ad774fe7"/>
@@ -28575,27 +29175,32 @@
 </ct:contentTypeSchema>
 </file>
 
-<file path=customXml/item2.xml><?xml version="1.0" encoding="utf-8"?>
-<?mso-contentType ?>
-<FormTemplates xmlns="http://schemas.microsoft.com/sharepoint/v3/contenttype/forms">
-  <Display>DocumentLibraryForm</Display>
-  <Edit>DocumentLibraryForm</Edit>
-  <New>DocumentLibraryForm</New>
-</FormTemplates>
+<file path=customXml/itemProps1.xml><?xml version="1.0" encoding="utf-8"?>
+<ds:datastoreItem xmlns:ds="http://schemas.openxmlformats.org/officeDocument/2006/customXml" ds:itemID="{ACD7CA8D-F7E9-4DB4-9EFF-5F098173D501}">
+  <ds:schemaRefs>
+    <ds:schemaRef ds:uri="http://purl.org/dc/terms/"/>
+    <ds:schemaRef ds:uri="http://schemas.openxmlformats.org/package/2006/metadata/core-properties"/>
+    <ds:schemaRef ds:uri="4c2def87-6459-45fe-82b8-2c44ad774fe7"/>
+    <ds:schemaRef ds:uri="http://purl.org/dc/dcmitype/"/>
+    <ds:schemaRef ds:uri="http://schemas.microsoft.com/office/infopath/2007/PartnerControls"/>
+    <ds:schemaRef ds:uri="http://purl.org/dc/elements/1.1/"/>
+    <ds:schemaRef ds:uri="http://schemas.microsoft.com/office/2006/metadata/properties"/>
+    <ds:schemaRef ds:uri="http://schemas.microsoft.com/office/2006/documentManagement/types"/>
+    <ds:schemaRef ds:uri="284c3d22-818e-4cb3-91ed-c315e7cac822"/>
+    <ds:schemaRef ds:uri="http://www.w3.org/XML/1998/namespace"/>
+  </ds:schemaRefs>
+</ds:datastoreItem>
 </file>
 
-<file path=customXml/item3.xml><?xml version="1.0" encoding="utf-8"?>
-<p:properties xmlns:p="http://schemas.microsoft.com/office/2006/metadata/properties" xmlns:xsi="http://www.w3.org/2001/XMLSchema-instance" xmlns:pc="http://schemas.microsoft.com/office/infopath/2007/PartnerControls">
-  <documentManagement>
-    <lcf76f155ced4ddcb4097134ff3c332f xmlns="4c2def87-6459-45fe-82b8-2c44ad774fe7">
-      <Terms xmlns="http://schemas.microsoft.com/office/infopath/2007/PartnerControls"/>
-    </lcf76f155ced4ddcb4097134ff3c332f>
-    <TaxCatchAll xmlns="284c3d22-818e-4cb3-91ed-c315e7cac822" xsi:nil="true"/>
-  </documentManagement>
-</p:properties>
+<file path=customXml/itemProps2.xml><?xml version="1.0" encoding="utf-8"?>
+<ds:datastoreItem xmlns:ds="http://schemas.openxmlformats.org/officeDocument/2006/customXml" ds:itemID="{2664B94C-923D-4FDF-A77E-CE30A0087E87}">
+  <ds:schemaRefs>
+    <ds:schemaRef ds:uri="http://schemas.microsoft.com/sharepoint/v3/contenttype/forms"/>
+  </ds:schemaRefs>
+</ds:datastoreItem>
 </file>
 
-<file path=customXml/itemProps1.xml><?xml version="1.0" encoding="utf-8"?>
+<file path=customXml/itemProps3.xml><?xml version="1.0" encoding="utf-8"?>
 <ds:datastoreItem xmlns:ds="http://schemas.openxmlformats.org/officeDocument/2006/customXml" ds:itemID="{D0A8C6C5-AEB9-4E3A-BA66-1F590519ED94}">
   <ds:schemaRefs>
     <ds:schemaRef ds:uri="http://schemas.microsoft.com/office/2006/metadata/contentType"/>
@@ -28612,29 +29217,4 @@
     <ds:schemaRef ds:uri="http://schemas.microsoft.com/internal/obd"/>
   </ds:schemaRefs>
 </ds:datastoreItem>
-</file>
-
-<file path=customXml/itemProps2.xml><?xml version="1.0" encoding="utf-8"?>
-<ds:datastoreItem xmlns:ds="http://schemas.openxmlformats.org/officeDocument/2006/customXml" ds:itemID="{2664B94C-923D-4FDF-A77E-CE30A0087E87}">
-  <ds:schemaRefs>
-    <ds:schemaRef ds:uri="http://schemas.microsoft.com/sharepoint/v3/contenttype/forms"/>
-  </ds:schemaRefs>
-</ds:datastoreItem>
-</file>
-
-<file path=customXml/itemProps3.xml><?xml version="1.0" encoding="utf-8"?>
-<ds:datastoreItem xmlns:ds="http://schemas.openxmlformats.org/officeDocument/2006/customXml" ds:itemID="{ACD7CA8D-F7E9-4DB4-9EFF-5F098173D501}">
-  <ds:schemaRefs>
-    <ds:schemaRef ds:uri="http://purl.org/dc/terms/"/>
-    <ds:schemaRef ds:uri="http://schemas.microsoft.com/office/2006/documentManagement/types"/>
-    <ds:schemaRef ds:uri="284c3d22-818e-4cb3-91ed-c315e7cac822"/>
-    <ds:schemaRef ds:uri="http://schemas.openxmlformats.org/package/2006/metadata/core-properties"/>
-    <ds:schemaRef ds:uri="4c2def87-6459-45fe-82b8-2c44ad774fe7"/>
-    <ds:schemaRef ds:uri="http://purl.org/dc/elements/1.1/"/>
-    <ds:schemaRef ds:uri="http://schemas.microsoft.com/office/2006/metadata/properties"/>
-    <ds:schemaRef ds:uri="http://schemas.microsoft.com/office/infopath/2007/PartnerControls"/>
-    <ds:schemaRef ds:uri="http://www.w3.org/XML/1998/namespace"/>
-    <ds:schemaRef ds:uri="http://purl.org/dc/dcmitype/"/>
-  </ds:schemaRefs>
-</ds:datastoreItem>
 </file>